--- a/Advanced Multimedia Information Processing and Communications/14 (23) Digital Watermarking/Digital Watermarking.pptx
+++ b/Advanced Multimedia Information Processing and Communications/14 (23) Digital Watermarking/Digital Watermarking.pptx
@@ -298,8 +298,11 @@
     </a:lvl9pPr>
   </p:defaultTextStyle>
   <p:extLst>
+    <p:ext uri="{EFAFB233-063F-42B5-8137-9DF3F51BA10A}">
+      <p15:sldGuideLst xmlns:p15="http://schemas.microsoft.com/office/powerpoint/2012/main"/>
+    </p:ext>
     <p:ext uri="http://customooxmlschemas.google.com/">
-      <go:slidesCustomData xmlns:go="http://customooxmlschemas.google.com/" xmlns:p15="http://schemas.microsoft.com/office/powerpoint/2012/main" xmlns:p14="http://schemas.microsoft.com/office/powerpoint/2010/main" xmlns:com="http://schemas.openxmlformats.org/drawingml/2006/compatibility" xmlns:pvml="urn:schemas-microsoft-com:office:powerpoint" xmlns:v="urn:schemas-microsoft-com:vml" xmlns:o="urn:schemas-microsoft-com:office:office" xmlns:dgm="http://schemas.openxmlformats.org/drawingml/2006/diagram" xmlns:c="http://schemas.openxmlformats.org/drawingml/2006/chart" xmlns:mv="urn:schemas-microsoft-com:mac:vml" xmlns:mc="http://schemas.openxmlformats.org/markup-compatibility/2006" xmlns="" r:id="rId49" roundtripDataSignature="AMtx7miaaBwd14tUSS2jnbCjxYzOzOAoOA=="/>
+      <go:slidesCustomData xmlns="" xmlns:mc="http://schemas.openxmlformats.org/markup-compatibility/2006" xmlns:mv="urn:schemas-microsoft-com:mac:vml" xmlns:c="http://schemas.openxmlformats.org/drawingml/2006/chart" xmlns:dgm="http://schemas.openxmlformats.org/drawingml/2006/diagram" xmlns:o="urn:schemas-microsoft-com:office:office" xmlns:v="urn:schemas-microsoft-com:vml" xmlns:pvml="urn:schemas-microsoft-com:office:powerpoint" xmlns:com="http://schemas.openxmlformats.org/drawingml/2006/compatibility" xmlns:p14="http://schemas.microsoft.com/office/powerpoint/2010/main" xmlns:p15="http://schemas.microsoft.com/office/powerpoint/2012/main" xmlns:go="http://customooxmlschemas.google.com/" r:id="rId49" roundtripDataSignature="AMtx7miaaBwd14tUSS2jnbCjxYzOzOAoOA=="/>
     </p:ext>
   </p:extLst>
 </p:presentation>
@@ -40044,7 +40047,7 @@
         <p:fade thruBlk="1"/>
       </p:transition>
     </mc:Choice>
-    <mc:Fallback xmlns:p15="http://schemas.microsoft.com/office/powerpoint/2012/main" xmlns:com="http://schemas.openxmlformats.org/drawingml/2006/compatibility" xmlns:pvml="urn:schemas-microsoft-com:office:powerpoint" xmlns:v="urn:schemas-microsoft-com:vml" xmlns:o="urn:schemas-microsoft-com:office:office" xmlns:dgm="http://schemas.openxmlformats.org/drawingml/2006/diagram" xmlns:c="http://schemas.openxmlformats.org/drawingml/2006/chart" xmlns:mv="urn:schemas-microsoft-com:mac:vml" xmlns="">
+    <mc:Fallback xmlns="" xmlns:mv="urn:schemas-microsoft-com:mac:vml" xmlns:c="http://schemas.openxmlformats.org/drawingml/2006/chart" xmlns:dgm="http://schemas.openxmlformats.org/drawingml/2006/diagram" xmlns:o="urn:schemas-microsoft-com:office:office" xmlns:v="urn:schemas-microsoft-com:vml" xmlns:pvml="urn:schemas-microsoft-com:office:powerpoint" xmlns:com="http://schemas.openxmlformats.org/drawingml/2006/compatibility" xmlns:p15="http://schemas.microsoft.com/office/powerpoint/2012/main">
       <p:transition spd="slow">
         <p:fade/>
       </p:transition>
@@ -40418,7 +40421,7 @@
         <p:fade thruBlk="1"/>
       </p:transition>
     </mc:Choice>
-    <mc:Fallback xmlns:p15="http://schemas.microsoft.com/office/powerpoint/2012/main" xmlns:com="http://schemas.openxmlformats.org/drawingml/2006/compatibility" xmlns:pvml="urn:schemas-microsoft-com:office:powerpoint" xmlns:v="urn:schemas-microsoft-com:vml" xmlns:o="urn:schemas-microsoft-com:office:office" xmlns:dgm="http://schemas.openxmlformats.org/drawingml/2006/diagram" xmlns:c="http://schemas.openxmlformats.org/drawingml/2006/chart" xmlns:mv="urn:schemas-microsoft-com:mac:vml" xmlns="">
+    <mc:Fallback xmlns="" xmlns:mv="urn:schemas-microsoft-com:mac:vml" xmlns:c="http://schemas.openxmlformats.org/drawingml/2006/chart" xmlns:dgm="http://schemas.openxmlformats.org/drawingml/2006/diagram" xmlns:o="urn:schemas-microsoft-com:office:office" xmlns:v="urn:schemas-microsoft-com:vml" xmlns:pvml="urn:schemas-microsoft-com:office:powerpoint" xmlns:com="http://schemas.openxmlformats.org/drawingml/2006/compatibility" xmlns:p15="http://schemas.microsoft.com/office/powerpoint/2012/main">
       <p:transition spd="slow">
         <p:fade/>
       </p:transition>
@@ -41031,7 +41034,7 @@
         <p:fade thruBlk="1"/>
       </p:transition>
     </mc:Choice>
-    <mc:Fallback xmlns:p15="http://schemas.microsoft.com/office/powerpoint/2012/main" xmlns:com="http://schemas.openxmlformats.org/drawingml/2006/compatibility" xmlns:pvml="urn:schemas-microsoft-com:office:powerpoint" xmlns:v="urn:schemas-microsoft-com:vml" xmlns:o="urn:schemas-microsoft-com:office:office" xmlns:dgm="http://schemas.openxmlformats.org/drawingml/2006/diagram" xmlns:c="http://schemas.openxmlformats.org/drawingml/2006/chart" xmlns:mv="urn:schemas-microsoft-com:mac:vml" xmlns="">
+    <mc:Fallback xmlns="" xmlns:mv="urn:schemas-microsoft-com:mac:vml" xmlns:c="http://schemas.openxmlformats.org/drawingml/2006/chart" xmlns:dgm="http://schemas.openxmlformats.org/drawingml/2006/diagram" xmlns:o="urn:schemas-microsoft-com:office:office" xmlns:v="urn:schemas-microsoft-com:vml" xmlns:pvml="urn:schemas-microsoft-com:office:powerpoint" xmlns:com="http://schemas.openxmlformats.org/drawingml/2006/compatibility" xmlns:p15="http://schemas.microsoft.com/office/powerpoint/2012/main">
       <p:transition spd="slow">
         <p:fade/>
       </p:transition>
@@ -41638,7 +41641,7 @@
         <p:fade thruBlk="1"/>
       </p:transition>
     </mc:Choice>
-    <mc:Fallback xmlns:p15="http://schemas.microsoft.com/office/powerpoint/2012/main" xmlns:com="http://schemas.openxmlformats.org/drawingml/2006/compatibility" xmlns:pvml="urn:schemas-microsoft-com:office:powerpoint" xmlns:v="urn:schemas-microsoft-com:vml" xmlns:o="urn:schemas-microsoft-com:office:office" xmlns:dgm="http://schemas.openxmlformats.org/drawingml/2006/diagram" xmlns:c="http://schemas.openxmlformats.org/drawingml/2006/chart" xmlns:mv="urn:schemas-microsoft-com:mac:vml" xmlns="">
+    <mc:Fallback xmlns="" xmlns:mv="urn:schemas-microsoft-com:mac:vml" xmlns:c="http://schemas.openxmlformats.org/drawingml/2006/chart" xmlns:dgm="http://schemas.openxmlformats.org/drawingml/2006/diagram" xmlns:o="urn:schemas-microsoft-com:office:office" xmlns:v="urn:schemas-microsoft-com:vml" xmlns:pvml="urn:schemas-microsoft-com:office:powerpoint" xmlns:com="http://schemas.openxmlformats.org/drawingml/2006/compatibility" xmlns:p15="http://schemas.microsoft.com/office/powerpoint/2012/main">
       <p:transition spd="slow">
         <p:fade/>
       </p:transition>
@@ -41966,7 +41969,7 @@
         <p:fade thruBlk="1"/>
       </p:transition>
     </mc:Choice>
-    <mc:Fallback xmlns:p15="http://schemas.microsoft.com/office/powerpoint/2012/main" xmlns:com="http://schemas.openxmlformats.org/drawingml/2006/compatibility" xmlns:pvml="urn:schemas-microsoft-com:office:powerpoint" xmlns:v="urn:schemas-microsoft-com:vml" xmlns:o="urn:schemas-microsoft-com:office:office" xmlns:dgm="http://schemas.openxmlformats.org/drawingml/2006/diagram" xmlns:c="http://schemas.openxmlformats.org/drawingml/2006/chart" xmlns:mv="urn:schemas-microsoft-com:mac:vml" xmlns="">
+    <mc:Fallback xmlns="" xmlns:mv="urn:schemas-microsoft-com:mac:vml" xmlns:c="http://schemas.openxmlformats.org/drawingml/2006/chart" xmlns:dgm="http://schemas.openxmlformats.org/drawingml/2006/diagram" xmlns:o="urn:schemas-microsoft-com:office:office" xmlns:v="urn:schemas-microsoft-com:vml" xmlns:pvml="urn:schemas-microsoft-com:office:powerpoint" xmlns:com="http://schemas.openxmlformats.org/drawingml/2006/compatibility" xmlns:p15="http://schemas.microsoft.com/office/powerpoint/2012/main">
       <p:transition spd="slow">
         <p:fade/>
       </p:transition>
@@ -42367,7 +42370,7 @@
         <p:fade thruBlk="1"/>
       </p:transition>
     </mc:Choice>
-    <mc:Fallback xmlns:p15="http://schemas.microsoft.com/office/powerpoint/2012/main" xmlns:com="http://schemas.openxmlformats.org/drawingml/2006/compatibility" xmlns:pvml="urn:schemas-microsoft-com:office:powerpoint" xmlns:v="urn:schemas-microsoft-com:vml" xmlns:o="urn:schemas-microsoft-com:office:office" xmlns:dgm="http://schemas.openxmlformats.org/drawingml/2006/diagram" xmlns:c="http://schemas.openxmlformats.org/drawingml/2006/chart" xmlns:mv="urn:schemas-microsoft-com:mac:vml" xmlns="">
+    <mc:Fallback xmlns="" xmlns:mv="urn:schemas-microsoft-com:mac:vml" xmlns:c="http://schemas.openxmlformats.org/drawingml/2006/chart" xmlns:dgm="http://schemas.openxmlformats.org/drawingml/2006/diagram" xmlns:o="urn:schemas-microsoft-com:office:office" xmlns:v="urn:schemas-microsoft-com:vml" xmlns:pvml="urn:schemas-microsoft-com:office:powerpoint" xmlns:com="http://schemas.openxmlformats.org/drawingml/2006/compatibility" xmlns:p15="http://schemas.microsoft.com/office/powerpoint/2012/main">
       <p:transition spd="slow">
         <p:fade/>
       </p:transition>
@@ -42816,7 +42819,7 @@
         <p:fade thruBlk="1"/>
       </p:transition>
     </mc:Choice>
-    <mc:Fallback xmlns:p15="http://schemas.microsoft.com/office/powerpoint/2012/main" xmlns:com="http://schemas.openxmlformats.org/drawingml/2006/compatibility" xmlns:pvml="urn:schemas-microsoft-com:office:powerpoint" xmlns:v="urn:schemas-microsoft-com:vml" xmlns:o="urn:schemas-microsoft-com:office:office" xmlns:dgm="http://schemas.openxmlformats.org/drawingml/2006/diagram" xmlns:c="http://schemas.openxmlformats.org/drawingml/2006/chart" xmlns:mv="urn:schemas-microsoft-com:mac:vml" xmlns="">
+    <mc:Fallback xmlns="" xmlns:mv="urn:schemas-microsoft-com:mac:vml" xmlns:c="http://schemas.openxmlformats.org/drawingml/2006/chart" xmlns:dgm="http://schemas.openxmlformats.org/drawingml/2006/diagram" xmlns:o="urn:schemas-microsoft-com:office:office" xmlns:v="urn:schemas-microsoft-com:vml" xmlns:pvml="urn:schemas-microsoft-com:office:powerpoint" xmlns:com="http://schemas.openxmlformats.org/drawingml/2006/compatibility" xmlns:p15="http://schemas.microsoft.com/office/powerpoint/2012/main">
       <p:transition spd="slow">
         <p:fade/>
       </p:transition>
@@ -43074,7 +43077,7 @@
         <p:fade thruBlk="1"/>
       </p:transition>
     </mc:Choice>
-    <mc:Fallback xmlns:p15="http://schemas.microsoft.com/office/powerpoint/2012/main" xmlns:com="http://schemas.openxmlformats.org/drawingml/2006/compatibility" xmlns:pvml="urn:schemas-microsoft-com:office:powerpoint" xmlns:v="urn:schemas-microsoft-com:vml" xmlns:o="urn:schemas-microsoft-com:office:office" xmlns:dgm="http://schemas.openxmlformats.org/drawingml/2006/diagram" xmlns:c="http://schemas.openxmlformats.org/drawingml/2006/chart" xmlns:mv="urn:schemas-microsoft-com:mac:vml" xmlns="">
+    <mc:Fallback xmlns="" xmlns:mv="urn:schemas-microsoft-com:mac:vml" xmlns:c="http://schemas.openxmlformats.org/drawingml/2006/chart" xmlns:dgm="http://schemas.openxmlformats.org/drawingml/2006/diagram" xmlns:o="urn:schemas-microsoft-com:office:office" xmlns:v="urn:schemas-microsoft-com:vml" xmlns:pvml="urn:schemas-microsoft-com:office:powerpoint" xmlns:com="http://schemas.openxmlformats.org/drawingml/2006/compatibility" xmlns:p15="http://schemas.microsoft.com/office/powerpoint/2012/main">
       <p:transition spd="slow">
         <p:fade/>
       </p:transition>
@@ -43793,7 +43796,7 @@
         <p:fade thruBlk="1"/>
       </p:transition>
     </mc:Choice>
-    <mc:Fallback xmlns:p15="http://schemas.microsoft.com/office/powerpoint/2012/main" xmlns:com="http://schemas.openxmlformats.org/drawingml/2006/compatibility" xmlns:pvml="urn:schemas-microsoft-com:office:powerpoint" xmlns:v="urn:schemas-microsoft-com:vml" xmlns:o="urn:schemas-microsoft-com:office:office" xmlns:dgm="http://schemas.openxmlformats.org/drawingml/2006/diagram" xmlns:c="http://schemas.openxmlformats.org/drawingml/2006/chart" xmlns:mv="urn:schemas-microsoft-com:mac:vml" xmlns="">
+    <mc:Fallback xmlns="" xmlns:mv="urn:schemas-microsoft-com:mac:vml" xmlns:c="http://schemas.openxmlformats.org/drawingml/2006/chart" xmlns:dgm="http://schemas.openxmlformats.org/drawingml/2006/diagram" xmlns:o="urn:schemas-microsoft-com:office:office" xmlns:v="urn:schemas-microsoft-com:vml" xmlns:pvml="urn:schemas-microsoft-com:office:powerpoint" xmlns:com="http://schemas.openxmlformats.org/drawingml/2006/compatibility" xmlns:p15="http://schemas.microsoft.com/office/powerpoint/2012/main">
       <p:transition spd="slow">
         <p:fade/>
       </p:transition>
@@ -44161,7 +44164,7 @@
         <p:fade thruBlk="1"/>
       </p:transition>
     </mc:Choice>
-    <mc:Fallback xmlns:p15="http://schemas.microsoft.com/office/powerpoint/2012/main" xmlns:com="http://schemas.openxmlformats.org/drawingml/2006/compatibility" xmlns:pvml="urn:schemas-microsoft-com:office:powerpoint" xmlns:v="urn:schemas-microsoft-com:vml" xmlns:o="urn:schemas-microsoft-com:office:office" xmlns:dgm="http://schemas.openxmlformats.org/drawingml/2006/diagram" xmlns:c="http://schemas.openxmlformats.org/drawingml/2006/chart" xmlns:mv="urn:schemas-microsoft-com:mac:vml" xmlns="">
+    <mc:Fallback xmlns="" xmlns:mv="urn:schemas-microsoft-com:mac:vml" xmlns:c="http://schemas.openxmlformats.org/drawingml/2006/chart" xmlns:dgm="http://schemas.openxmlformats.org/drawingml/2006/diagram" xmlns:o="urn:schemas-microsoft-com:office:office" xmlns:v="urn:schemas-microsoft-com:vml" xmlns:pvml="urn:schemas-microsoft-com:office:powerpoint" xmlns:com="http://schemas.openxmlformats.org/drawingml/2006/compatibility" xmlns:p15="http://schemas.microsoft.com/office/powerpoint/2012/main">
       <p:transition spd="slow">
         <p:fade/>
       </p:transition>
@@ -44735,7 +44738,7 @@
         <p:fade thruBlk="1"/>
       </p:transition>
     </mc:Choice>
-    <mc:Fallback xmlns:p15="http://schemas.microsoft.com/office/powerpoint/2012/main" xmlns:com="http://schemas.openxmlformats.org/drawingml/2006/compatibility" xmlns:pvml="urn:schemas-microsoft-com:office:powerpoint" xmlns:v="urn:schemas-microsoft-com:vml" xmlns:o="urn:schemas-microsoft-com:office:office" xmlns:dgm="http://schemas.openxmlformats.org/drawingml/2006/diagram" xmlns:c="http://schemas.openxmlformats.org/drawingml/2006/chart" xmlns:mv="urn:schemas-microsoft-com:mac:vml" xmlns="">
+    <mc:Fallback xmlns="" xmlns:mv="urn:schemas-microsoft-com:mac:vml" xmlns:c="http://schemas.openxmlformats.org/drawingml/2006/chart" xmlns:dgm="http://schemas.openxmlformats.org/drawingml/2006/diagram" xmlns:o="urn:schemas-microsoft-com:office:office" xmlns:v="urn:schemas-microsoft-com:vml" xmlns:pvml="urn:schemas-microsoft-com:office:powerpoint" xmlns:com="http://schemas.openxmlformats.org/drawingml/2006/compatibility" xmlns:p15="http://schemas.microsoft.com/office/powerpoint/2012/main">
       <p:transition spd="slow">
         <p:fade/>
       </p:transition>
@@ -44927,7 +44930,7 @@
         <p:fade thruBlk="1"/>
       </p:transition>
     </mc:Choice>
-    <mc:Fallback xmlns:p15="http://schemas.microsoft.com/office/powerpoint/2012/main" xmlns:com="http://schemas.openxmlformats.org/drawingml/2006/compatibility" xmlns:pvml="urn:schemas-microsoft-com:office:powerpoint" xmlns:v="urn:schemas-microsoft-com:vml" xmlns:o="urn:schemas-microsoft-com:office:office" xmlns:dgm="http://schemas.openxmlformats.org/drawingml/2006/diagram" xmlns:c="http://schemas.openxmlformats.org/drawingml/2006/chart" xmlns:mv="urn:schemas-microsoft-com:mac:vml" xmlns="">
+    <mc:Fallback xmlns="" xmlns:mv="urn:schemas-microsoft-com:mac:vml" xmlns:c="http://schemas.openxmlformats.org/drawingml/2006/chart" xmlns:dgm="http://schemas.openxmlformats.org/drawingml/2006/diagram" xmlns:o="urn:schemas-microsoft-com:office:office" xmlns:v="urn:schemas-microsoft-com:vml" xmlns:pvml="urn:schemas-microsoft-com:office:powerpoint" xmlns:com="http://schemas.openxmlformats.org/drawingml/2006/compatibility" xmlns:p15="http://schemas.microsoft.com/office/powerpoint/2012/main">
       <p:transition spd="slow">
         <p:fade/>
       </p:transition>
@@ -45153,7 +45156,7 @@
               <a:buChar char="»"/>
             </a:pPr>
             <a:r>
-              <a:rPr lang="en-US" sz="1500" b="1">
+              <a:rPr lang="en-US" sz="1500" b="1" dirty="0">
                 <a:solidFill>
                   <a:srgbClr val="1E1E1E"/>
                 </a:solidFill>
@@ -45161,7 +45164,7 @@
               <a:t>Digital pictures </a:t>
             </a:r>
             <a:r>
-              <a:rPr lang="en-US" sz="1500"/>
+              <a:rPr lang="en-US" sz="1500" dirty="0"/>
               <a:t>used to hide messages </a:t>
             </a:r>
           </a:p>
@@ -45184,7 +45187,7 @@
               <a:buChar char="»"/>
             </a:pPr>
             <a:r>
-              <a:rPr lang="en-US" sz="1500" b="1">
+              <a:rPr lang="en-US" sz="1500" b="1" dirty="0">
                 <a:solidFill>
                   <a:srgbClr val="1E1E1E"/>
                 </a:solidFill>
@@ -45192,11 +45195,11 @@
               <a:t>24-bit</a:t>
             </a:r>
             <a:r>
-              <a:rPr lang="en-US" sz="1500"/>
+              <a:rPr lang="en-US" sz="1500" dirty="0"/>
               <a:t> </a:t>
             </a:r>
             <a:r>
-              <a:rPr lang="en-US" sz="1500" b="1">
+              <a:rPr lang="en-US" sz="1500" b="1" dirty="0">
                 <a:solidFill>
                   <a:srgbClr val="1E1E1E"/>
                 </a:solidFill>
@@ -45204,7 +45207,7 @@
               <a:t>bitmap</a:t>
             </a:r>
             <a:r>
-              <a:rPr lang="en-US" sz="1500">
+              <a:rPr lang="en-US" sz="1500" dirty="0">
                 <a:solidFill>
                   <a:srgbClr val="1E1E1E"/>
                 </a:solidFill>
@@ -45212,11 +45215,11 @@
               <a:t> </a:t>
             </a:r>
             <a:r>
-              <a:rPr lang="en-US" sz="1500"/>
+              <a:rPr lang="en-US" sz="1500" dirty="0"/>
               <a:t>– </a:t>
             </a:r>
             <a:r>
-              <a:rPr lang="en-US" sz="1500" b="1">
+              <a:rPr lang="en-US" sz="1500" b="1" dirty="0">
                 <a:solidFill>
                   <a:srgbClr val="1E1E1E"/>
                 </a:solidFill>
@@ -45224,11 +45227,11 @@
               <a:t>8 bits </a:t>
             </a:r>
             <a:r>
-              <a:rPr lang="en-US" sz="1500"/>
+              <a:rPr lang="en-US" sz="1500" dirty="0"/>
               <a:t>representing </a:t>
             </a:r>
             <a:r>
-              <a:rPr lang="en-US" sz="1500" b="1">
+              <a:rPr lang="en-US" sz="1500" b="1" dirty="0">
                 <a:solidFill>
                   <a:srgbClr val="1E1E1E"/>
                 </a:solidFill>
@@ -45236,11 +45239,11 @@
               <a:t>3</a:t>
             </a:r>
             <a:r>
-              <a:rPr lang="en-US" sz="1500"/>
+              <a:rPr lang="en-US" sz="1500" dirty="0"/>
               <a:t> color values (</a:t>
             </a:r>
             <a:r>
-              <a:rPr lang="en-US" sz="1500" b="1">
+              <a:rPr lang="en-US" sz="1500" b="1" dirty="0">
                 <a:solidFill>
                   <a:srgbClr val="FF0000"/>
                 </a:solidFill>
@@ -45248,7 +45251,7 @@
               <a:t>R</a:t>
             </a:r>
             <a:r>
-              <a:rPr lang="en-US" sz="1500" b="1">
+              <a:rPr lang="en-US" sz="1500" b="1" dirty="0">
                 <a:solidFill>
                   <a:srgbClr val="00B050"/>
                 </a:solidFill>
@@ -45256,7 +45259,7 @@
               <a:t>G</a:t>
             </a:r>
             <a:r>
-              <a:rPr lang="en-US" sz="1500" b="1">
+              <a:rPr lang="en-US" sz="1500" b="1" dirty="0">
                 <a:solidFill>
                   <a:srgbClr val="0070C0"/>
                 </a:solidFill>
@@ -45264,18 +45267,18 @@
               <a:t>B</a:t>
             </a:r>
             <a:r>
-              <a:rPr lang="en-US" sz="1500"/>
+              <a:rPr lang="en-US" sz="1500" dirty="0"/>
               <a:t>) at each </a:t>
             </a:r>
             <a:r>
-              <a:rPr lang="en-US" sz="1500" b="1">
+              <a:rPr lang="en-US" sz="1500" b="1" dirty="0">
                 <a:solidFill>
                   <a:srgbClr val="1E1E1E"/>
                 </a:solidFill>
               </a:rPr>
               <a:t>pixel</a:t>
             </a:r>
-            <a:endParaRPr lang="en-US" sz="1500"/>
+            <a:endParaRPr lang="en-US" sz="1500" dirty="0"/>
           </a:p>
           <a:p>
             <a:pPr marL="334328" lvl="0" indent="-334328" algn="l" rtl="0">
@@ -45296,7 +45299,7 @@
               <a:buChar char="»"/>
             </a:pPr>
             <a:r>
-              <a:rPr lang="en-US" sz="1500" b="1">
+              <a:rPr lang="en-US" sz="1500" b="1" dirty="0">
                 <a:solidFill>
                   <a:srgbClr val="1E1E1E"/>
                 </a:solidFill>
@@ -45304,7 +45307,7 @@
               <a:t>2</a:t>
             </a:r>
             <a:r>
-              <a:rPr lang="en-US" sz="1500" b="1" baseline="30000">
+              <a:rPr lang="en-US" sz="1500" b="1" baseline="30000" dirty="0">
                 <a:solidFill>
                   <a:srgbClr val="1E1E1E"/>
                 </a:solidFill>
@@ -45312,7 +45315,7 @@
               <a:t>8</a:t>
             </a:r>
             <a:r>
-              <a:rPr lang="en-US" sz="1500" b="1">
+              <a:rPr lang="en-US" sz="1500" b="1" dirty="0">
                 <a:solidFill>
                   <a:srgbClr val="1E1E1E"/>
                 </a:solidFill>
@@ -45320,7 +45323,7 @@
               <a:t> (256) different values </a:t>
             </a:r>
             <a:r>
-              <a:rPr lang="en-US" sz="1500"/>
+              <a:rPr lang="en-US" sz="1500" dirty="0"/>
               <a:t>of each color value</a:t>
             </a:r>
           </a:p>
@@ -45343,11 +45346,11 @@
               <a:buChar char="»"/>
             </a:pPr>
             <a:r>
-              <a:rPr lang="en-US" sz="1500"/>
-              <a:t>E.g. luminance change </a:t>
+              <a:rPr lang="en-US" sz="1500" dirty="0"/>
+              <a:t>E.g., luminance change </a:t>
             </a:r>
             <a:r>
-              <a:rPr lang="en-US" sz="1500" b="1">
+              <a:rPr lang="en-US" sz="1500" b="1" dirty="0">
                 <a:solidFill>
                   <a:srgbClr val="1E1E1E"/>
                 </a:solidFill>
@@ -45355,7 +45358,7 @@
               <a:t>11111111</a:t>
             </a:r>
             <a:r>
-              <a:rPr lang="en-US" sz="1500">
+              <a:rPr lang="en-US" sz="1500" dirty="0">
                 <a:solidFill>
                   <a:srgbClr val="1E1E1E"/>
                 </a:solidFill>
@@ -45363,18 +45366,18 @@
               <a:t> -&gt;</a:t>
             </a:r>
             <a:r>
-              <a:rPr lang="en-US" sz="1500"/>
+              <a:rPr lang="en-US" sz="1500" dirty="0"/>
               <a:t> </a:t>
             </a:r>
             <a:r>
-              <a:rPr lang="en-US" sz="1500" b="1">
+              <a:rPr lang="en-US" sz="1500" b="1" dirty="0">
                 <a:solidFill>
                   <a:srgbClr val="1E1E1E"/>
                 </a:solidFill>
               </a:rPr>
               <a:t>11111110</a:t>
             </a:r>
-            <a:endParaRPr lang="en-US" sz="1500"/>
+            <a:endParaRPr lang="en-US" sz="1500" dirty="0"/>
           </a:p>
           <a:p>
             <a:pPr marL="334328" lvl="0" indent="-334328" algn="l" rtl="0">
@@ -45395,7 +45398,7 @@
               <a:buChar char="»"/>
             </a:pPr>
             <a:r>
-              <a:rPr lang="en-US" sz="1500"/>
+              <a:rPr lang="en-US" sz="1500" dirty="0"/>
               <a:t>Undetectable by human eye</a:t>
             </a:r>
           </a:p>
@@ -45679,7 +45682,7 @@
         <p:fade thruBlk="1"/>
       </p:transition>
     </mc:Choice>
-    <mc:Fallback xmlns:p15="http://schemas.microsoft.com/office/powerpoint/2012/main" xmlns:com="http://schemas.openxmlformats.org/drawingml/2006/compatibility" xmlns:pvml="urn:schemas-microsoft-com:office:powerpoint" xmlns:v="urn:schemas-microsoft-com:vml" xmlns:o="urn:schemas-microsoft-com:office:office" xmlns:dgm="http://schemas.openxmlformats.org/drawingml/2006/diagram" xmlns:c="http://schemas.openxmlformats.org/drawingml/2006/chart" xmlns:mv="urn:schemas-microsoft-com:mac:vml" xmlns="">
+    <mc:Fallback xmlns="" xmlns:mv="urn:schemas-microsoft-com:mac:vml" xmlns:c="http://schemas.openxmlformats.org/drawingml/2006/chart" xmlns:dgm="http://schemas.openxmlformats.org/drawingml/2006/diagram" xmlns:o="urn:schemas-microsoft-com:office:office" xmlns:v="urn:schemas-microsoft-com:vml" xmlns:pvml="urn:schemas-microsoft-com:office:powerpoint" xmlns:com="http://schemas.openxmlformats.org/drawingml/2006/compatibility" xmlns:p15="http://schemas.microsoft.com/office/powerpoint/2012/main">
       <p:transition spd="slow">
         <p:fade/>
       </p:transition>
@@ -46310,7 +46313,7 @@
         <p:fade thruBlk="1"/>
       </p:transition>
     </mc:Choice>
-    <mc:Fallback xmlns:p15="http://schemas.microsoft.com/office/powerpoint/2012/main" xmlns:com="http://schemas.openxmlformats.org/drawingml/2006/compatibility" xmlns:pvml="urn:schemas-microsoft-com:office:powerpoint" xmlns:v="urn:schemas-microsoft-com:vml" xmlns:o="urn:schemas-microsoft-com:office:office" xmlns:dgm="http://schemas.openxmlformats.org/drawingml/2006/diagram" xmlns:c="http://schemas.openxmlformats.org/drawingml/2006/chart" xmlns:mv="urn:schemas-microsoft-com:mac:vml" xmlns="">
+    <mc:Fallback xmlns="" xmlns:mv="urn:schemas-microsoft-com:mac:vml" xmlns:c="http://schemas.openxmlformats.org/drawingml/2006/chart" xmlns:dgm="http://schemas.openxmlformats.org/drawingml/2006/diagram" xmlns:o="urn:schemas-microsoft-com:office:office" xmlns:v="urn:schemas-microsoft-com:vml" xmlns:pvml="urn:schemas-microsoft-com:office:powerpoint" xmlns:com="http://schemas.openxmlformats.org/drawingml/2006/compatibility" xmlns:p15="http://schemas.microsoft.com/office/powerpoint/2012/main">
       <p:transition spd="slow">
         <p:fade/>
       </p:transition>
@@ -46903,7 +46906,7 @@
         <p:fade thruBlk="1"/>
       </p:transition>
     </mc:Choice>
-    <mc:Fallback xmlns:p15="http://schemas.microsoft.com/office/powerpoint/2012/main" xmlns:com="http://schemas.openxmlformats.org/drawingml/2006/compatibility" xmlns:pvml="urn:schemas-microsoft-com:office:powerpoint" xmlns:v="urn:schemas-microsoft-com:vml" xmlns:o="urn:schemas-microsoft-com:office:office" xmlns:dgm="http://schemas.openxmlformats.org/drawingml/2006/diagram" xmlns:c="http://schemas.openxmlformats.org/drawingml/2006/chart" xmlns:mv="urn:schemas-microsoft-com:mac:vml" xmlns="">
+    <mc:Fallback xmlns="" xmlns:mv="urn:schemas-microsoft-com:mac:vml" xmlns:c="http://schemas.openxmlformats.org/drawingml/2006/chart" xmlns:dgm="http://schemas.openxmlformats.org/drawingml/2006/diagram" xmlns:o="urn:schemas-microsoft-com:office:office" xmlns:v="urn:schemas-microsoft-com:vml" xmlns:pvml="urn:schemas-microsoft-com:office:powerpoint" xmlns:com="http://schemas.openxmlformats.org/drawingml/2006/compatibility" xmlns:p15="http://schemas.microsoft.com/office/powerpoint/2012/main">
       <p:transition spd="slow">
         <p:fade/>
       </p:transition>
@@ -47505,7 +47508,7 @@
         <p:fade thruBlk="1"/>
       </p:transition>
     </mc:Choice>
-    <mc:Fallback xmlns:p15="http://schemas.microsoft.com/office/powerpoint/2012/main" xmlns:com="http://schemas.openxmlformats.org/drawingml/2006/compatibility" xmlns:pvml="urn:schemas-microsoft-com:office:powerpoint" xmlns:v="urn:schemas-microsoft-com:vml" xmlns:o="urn:schemas-microsoft-com:office:office" xmlns:dgm="http://schemas.openxmlformats.org/drawingml/2006/diagram" xmlns:c="http://schemas.openxmlformats.org/drawingml/2006/chart" xmlns:mv="urn:schemas-microsoft-com:mac:vml" xmlns="">
+    <mc:Fallback xmlns="" xmlns:mv="urn:schemas-microsoft-com:mac:vml" xmlns:c="http://schemas.openxmlformats.org/drawingml/2006/chart" xmlns:dgm="http://schemas.openxmlformats.org/drawingml/2006/diagram" xmlns:o="urn:schemas-microsoft-com:office:office" xmlns:v="urn:schemas-microsoft-com:vml" xmlns:pvml="urn:schemas-microsoft-com:office:powerpoint" xmlns:com="http://schemas.openxmlformats.org/drawingml/2006/compatibility" xmlns:p15="http://schemas.microsoft.com/office/powerpoint/2012/main">
       <p:transition spd="slow">
         <p:fade/>
       </p:transition>
@@ -47724,7 +47727,7 @@
         <p:fade thruBlk="1"/>
       </p:transition>
     </mc:Choice>
-    <mc:Fallback xmlns:p15="http://schemas.microsoft.com/office/powerpoint/2012/main" xmlns:com="http://schemas.openxmlformats.org/drawingml/2006/compatibility" xmlns:pvml="urn:schemas-microsoft-com:office:powerpoint" xmlns:v="urn:schemas-microsoft-com:vml" xmlns:o="urn:schemas-microsoft-com:office:office" xmlns:dgm="http://schemas.openxmlformats.org/drawingml/2006/diagram" xmlns:c="http://schemas.openxmlformats.org/drawingml/2006/chart" xmlns:mv="urn:schemas-microsoft-com:mac:vml" xmlns="">
+    <mc:Fallback xmlns="" xmlns:mv="urn:schemas-microsoft-com:mac:vml" xmlns:c="http://schemas.openxmlformats.org/drawingml/2006/chart" xmlns:dgm="http://schemas.openxmlformats.org/drawingml/2006/diagram" xmlns:o="urn:schemas-microsoft-com:office:office" xmlns:v="urn:schemas-microsoft-com:vml" xmlns:pvml="urn:schemas-microsoft-com:office:powerpoint" xmlns:com="http://schemas.openxmlformats.org/drawingml/2006/compatibility" xmlns:p15="http://schemas.microsoft.com/office/powerpoint/2012/main">
       <p:transition spd="slow">
         <p:fade/>
       </p:transition>
@@ -47960,7 +47963,7 @@
         <p:fade thruBlk="1"/>
       </p:transition>
     </mc:Choice>
-    <mc:Fallback xmlns:p15="http://schemas.microsoft.com/office/powerpoint/2012/main" xmlns:com="http://schemas.openxmlformats.org/drawingml/2006/compatibility" xmlns:pvml="urn:schemas-microsoft-com:office:powerpoint" xmlns:v="urn:schemas-microsoft-com:vml" xmlns:o="urn:schemas-microsoft-com:office:office" xmlns:dgm="http://schemas.openxmlformats.org/drawingml/2006/diagram" xmlns:c="http://schemas.openxmlformats.org/drawingml/2006/chart" xmlns:mv="urn:schemas-microsoft-com:mac:vml" xmlns="">
+    <mc:Fallback xmlns="" xmlns:mv="urn:schemas-microsoft-com:mac:vml" xmlns:c="http://schemas.openxmlformats.org/drawingml/2006/chart" xmlns:dgm="http://schemas.openxmlformats.org/drawingml/2006/diagram" xmlns:o="urn:schemas-microsoft-com:office:office" xmlns:v="urn:schemas-microsoft-com:vml" xmlns:pvml="urn:schemas-microsoft-com:office:powerpoint" xmlns:com="http://schemas.openxmlformats.org/drawingml/2006/compatibility" xmlns:p15="http://schemas.microsoft.com/office/powerpoint/2012/main">
       <p:transition spd="slow">
         <p:fade/>
       </p:transition>
@@ -48188,7 +48191,7 @@
         <p:fade thruBlk="1"/>
       </p:transition>
     </mc:Choice>
-    <mc:Fallback xmlns:p15="http://schemas.microsoft.com/office/powerpoint/2012/main" xmlns:com="http://schemas.openxmlformats.org/drawingml/2006/compatibility" xmlns:pvml="urn:schemas-microsoft-com:office:powerpoint" xmlns:v="urn:schemas-microsoft-com:vml" xmlns:o="urn:schemas-microsoft-com:office:office" xmlns:dgm="http://schemas.openxmlformats.org/drawingml/2006/diagram" xmlns:c="http://schemas.openxmlformats.org/drawingml/2006/chart" xmlns:mv="urn:schemas-microsoft-com:mac:vml" xmlns="">
+    <mc:Fallback xmlns="" xmlns:mv="urn:schemas-microsoft-com:mac:vml" xmlns:c="http://schemas.openxmlformats.org/drawingml/2006/chart" xmlns:dgm="http://schemas.openxmlformats.org/drawingml/2006/diagram" xmlns:o="urn:schemas-microsoft-com:office:office" xmlns:v="urn:schemas-microsoft-com:vml" xmlns:pvml="urn:schemas-microsoft-com:office:powerpoint" xmlns:com="http://schemas.openxmlformats.org/drawingml/2006/compatibility" xmlns:p15="http://schemas.microsoft.com/office/powerpoint/2012/main">
       <p:transition spd="slow">
         <p:fade/>
       </p:transition>
@@ -48416,7 +48419,7 @@
         <p:fade thruBlk="1"/>
       </p:transition>
     </mc:Choice>
-    <mc:Fallback xmlns:p15="http://schemas.microsoft.com/office/powerpoint/2012/main" xmlns:com="http://schemas.openxmlformats.org/drawingml/2006/compatibility" xmlns:pvml="urn:schemas-microsoft-com:office:powerpoint" xmlns:v="urn:schemas-microsoft-com:vml" xmlns:o="urn:schemas-microsoft-com:office:office" xmlns:dgm="http://schemas.openxmlformats.org/drawingml/2006/diagram" xmlns:c="http://schemas.openxmlformats.org/drawingml/2006/chart" xmlns:mv="urn:schemas-microsoft-com:mac:vml" xmlns="">
+    <mc:Fallback xmlns="" xmlns:mv="urn:schemas-microsoft-com:mac:vml" xmlns:c="http://schemas.openxmlformats.org/drawingml/2006/chart" xmlns:dgm="http://schemas.openxmlformats.org/drawingml/2006/diagram" xmlns:o="urn:schemas-microsoft-com:office:office" xmlns:v="urn:schemas-microsoft-com:vml" xmlns:pvml="urn:schemas-microsoft-com:office:powerpoint" xmlns:com="http://schemas.openxmlformats.org/drawingml/2006/compatibility" xmlns:p15="http://schemas.microsoft.com/office/powerpoint/2012/main">
       <p:transition spd="slow">
         <p:fade/>
       </p:transition>
@@ -49020,7 +49023,7 @@
         <p:fade thruBlk="1"/>
       </p:transition>
     </mc:Choice>
-    <mc:Fallback xmlns:p15="http://schemas.microsoft.com/office/powerpoint/2012/main" xmlns:com="http://schemas.openxmlformats.org/drawingml/2006/compatibility" xmlns:pvml="urn:schemas-microsoft-com:office:powerpoint" xmlns:v="urn:schemas-microsoft-com:vml" xmlns:o="urn:schemas-microsoft-com:office:office" xmlns:dgm="http://schemas.openxmlformats.org/drawingml/2006/diagram" xmlns:c="http://schemas.openxmlformats.org/drawingml/2006/chart" xmlns:mv="urn:schemas-microsoft-com:mac:vml" xmlns="">
+    <mc:Fallback xmlns="" xmlns:mv="urn:schemas-microsoft-com:mac:vml" xmlns:c="http://schemas.openxmlformats.org/drawingml/2006/chart" xmlns:dgm="http://schemas.openxmlformats.org/drawingml/2006/diagram" xmlns:o="urn:schemas-microsoft-com:office:office" xmlns:v="urn:schemas-microsoft-com:vml" xmlns:pvml="urn:schemas-microsoft-com:office:powerpoint" xmlns:com="http://schemas.openxmlformats.org/drawingml/2006/compatibility" xmlns:p15="http://schemas.microsoft.com/office/powerpoint/2012/main">
       <p:transition spd="slow">
         <p:fade/>
       </p:transition>
@@ -49664,7 +49667,7 @@
         <p:fade thruBlk="1"/>
       </p:transition>
     </mc:Choice>
-    <mc:Fallback xmlns:p15="http://schemas.microsoft.com/office/powerpoint/2012/main" xmlns:com="http://schemas.openxmlformats.org/drawingml/2006/compatibility" xmlns:pvml="urn:schemas-microsoft-com:office:powerpoint" xmlns:v="urn:schemas-microsoft-com:vml" xmlns:o="urn:schemas-microsoft-com:office:office" xmlns:dgm="http://schemas.openxmlformats.org/drawingml/2006/diagram" xmlns:c="http://schemas.openxmlformats.org/drawingml/2006/chart" xmlns:mv="urn:schemas-microsoft-com:mac:vml" xmlns="">
+    <mc:Fallback xmlns="" xmlns:mv="urn:schemas-microsoft-com:mac:vml" xmlns:c="http://schemas.openxmlformats.org/drawingml/2006/chart" xmlns:dgm="http://schemas.openxmlformats.org/drawingml/2006/diagram" xmlns:o="urn:schemas-microsoft-com:office:office" xmlns:v="urn:schemas-microsoft-com:vml" xmlns:pvml="urn:schemas-microsoft-com:office:powerpoint" xmlns:com="http://schemas.openxmlformats.org/drawingml/2006/compatibility" xmlns:p15="http://schemas.microsoft.com/office/powerpoint/2012/main">
       <p:transition spd="slow">
         <p:fade/>
       </p:transition>
@@ -50010,7 +50013,7 @@
         <p:fade thruBlk="1"/>
       </p:transition>
     </mc:Choice>
-    <mc:Fallback xmlns:p15="http://schemas.microsoft.com/office/powerpoint/2012/main" xmlns:com="http://schemas.openxmlformats.org/drawingml/2006/compatibility" xmlns:pvml="urn:schemas-microsoft-com:office:powerpoint" xmlns:v="urn:schemas-microsoft-com:vml" xmlns:o="urn:schemas-microsoft-com:office:office" xmlns:dgm="http://schemas.openxmlformats.org/drawingml/2006/diagram" xmlns:c="http://schemas.openxmlformats.org/drawingml/2006/chart" xmlns:mv="urn:schemas-microsoft-com:mac:vml" xmlns="">
+    <mc:Fallback xmlns="" xmlns:mv="urn:schemas-microsoft-com:mac:vml" xmlns:c="http://schemas.openxmlformats.org/drawingml/2006/chart" xmlns:dgm="http://schemas.openxmlformats.org/drawingml/2006/diagram" xmlns:o="urn:schemas-microsoft-com:office:office" xmlns:v="urn:schemas-microsoft-com:vml" xmlns:pvml="urn:schemas-microsoft-com:office:powerpoint" xmlns:com="http://schemas.openxmlformats.org/drawingml/2006/compatibility" xmlns:p15="http://schemas.microsoft.com/office/powerpoint/2012/main">
       <p:transition spd="slow">
         <p:fade/>
       </p:transition>
@@ -50361,7 +50364,7 @@
         <p:fade thruBlk="1"/>
       </p:transition>
     </mc:Choice>
-    <mc:Fallback xmlns:p15="http://schemas.microsoft.com/office/powerpoint/2012/main" xmlns:com="http://schemas.openxmlformats.org/drawingml/2006/compatibility" xmlns:pvml="urn:schemas-microsoft-com:office:powerpoint" xmlns:v="urn:schemas-microsoft-com:vml" xmlns:o="urn:schemas-microsoft-com:office:office" xmlns:dgm="http://schemas.openxmlformats.org/drawingml/2006/diagram" xmlns:c="http://schemas.openxmlformats.org/drawingml/2006/chart" xmlns:mv="urn:schemas-microsoft-com:mac:vml" xmlns="">
+    <mc:Fallback xmlns="" xmlns:mv="urn:schemas-microsoft-com:mac:vml" xmlns:c="http://schemas.openxmlformats.org/drawingml/2006/chart" xmlns:dgm="http://schemas.openxmlformats.org/drawingml/2006/diagram" xmlns:o="urn:schemas-microsoft-com:office:office" xmlns:v="urn:schemas-microsoft-com:vml" xmlns:pvml="urn:schemas-microsoft-com:office:powerpoint" xmlns:com="http://schemas.openxmlformats.org/drawingml/2006/compatibility" xmlns:p15="http://schemas.microsoft.com/office/powerpoint/2012/main">
       <p:transition spd="slow">
         <p:fade/>
       </p:transition>
@@ -50705,7 +50708,7 @@
         <p:fade thruBlk="1"/>
       </p:transition>
     </mc:Choice>
-    <mc:Fallback xmlns:p15="http://schemas.microsoft.com/office/powerpoint/2012/main" xmlns:com="http://schemas.openxmlformats.org/drawingml/2006/compatibility" xmlns:pvml="urn:schemas-microsoft-com:office:powerpoint" xmlns:v="urn:schemas-microsoft-com:vml" xmlns:o="urn:schemas-microsoft-com:office:office" xmlns:dgm="http://schemas.openxmlformats.org/drawingml/2006/diagram" xmlns:c="http://schemas.openxmlformats.org/drawingml/2006/chart" xmlns:mv="urn:schemas-microsoft-com:mac:vml" xmlns="">
+    <mc:Fallback xmlns="" xmlns:mv="urn:schemas-microsoft-com:mac:vml" xmlns:c="http://schemas.openxmlformats.org/drawingml/2006/chart" xmlns:dgm="http://schemas.openxmlformats.org/drawingml/2006/diagram" xmlns:o="urn:schemas-microsoft-com:office:office" xmlns:v="urn:schemas-microsoft-com:vml" xmlns:pvml="urn:schemas-microsoft-com:office:powerpoint" xmlns:com="http://schemas.openxmlformats.org/drawingml/2006/compatibility" xmlns:p15="http://schemas.microsoft.com/office/powerpoint/2012/main">
       <p:transition spd="slow">
         <p:fade/>
       </p:transition>
@@ -51242,7 +51245,7 @@
         <p:fade thruBlk="1"/>
       </p:transition>
     </mc:Choice>
-    <mc:Fallback xmlns:p15="http://schemas.microsoft.com/office/powerpoint/2012/main" xmlns:com="http://schemas.openxmlformats.org/drawingml/2006/compatibility" xmlns:pvml="urn:schemas-microsoft-com:office:powerpoint" xmlns:v="urn:schemas-microsoft-com:vml" xmlns:o="urn:schemas-microsoft-com:office:office" xmlns:dgm="http://schemas.openxmlformats.org/drawingml/2006/diagram" xmlns:c="http://schemas.openxmlformats.org/drawingml/2006/chart" xmlns:mv="urn:schemas-microsoft-com:mac:vml" xmlns="">
+    <mc:Fallback xmlns="" xmlns:mv="urn:schemas-microsoft-com:mac:vml" xmlns:c="http://schemas.openxmlformats.org/drawingml/2006/chart" xmlns:dgm="http://schemas.openxmlformats.org/drawingml/2006/diagram" xmlns:o="urn:schemas-microsoft-com:office:office" xmlns:v="urn:schemas-microsoft-com:vml" xmlns:pvml="urn:schemas-microsoft-com:office:powerpoint" xmlns:com="http://schemas.openxmlformats.org/drawingml/2006/compatibility" xmlns:p15="http://schemas.microsoft.com/office/powerpoint/2012/main">
       <p:transition spd="slow">
         <p:fade/>
       </p:transition>
@@ -51959,7 +51962,7 @@
         <p:fade thruBlk="1"/>
       </p:transition>
     </mc:Choice>
-    <mc:Fallback xmlns:p15="http://schemas.microsoft.com/office/powerpoint/2012/main" xmlns:com="http://schemas.openxmlformats.org/drawingml/2006/compatibility" xmlns:pvml="urn:schemas-microsoft-com:office:powerpoint" xmlns:v="urn:schemas-microsoft-com:vml" xmlns:o="urn:schemas-microsoft-com:office:office" xmlns:dgm="http://schemas.openxmlformats.org/drawingml/2006/diagram" xmlns:c="http://schemas.openxmlformats.org/drawingml/2006/chart" xmlns:mv="urn:schemas-microsoft-com:mac:vml" xmlns="">
+    <mc:Fallback xmlns="" xmlns:mv="urn:schemas-microsoft-com:mac:vml" xmlns:c="http://schemas.openxmlformats.org/drawingml/2006/chart" xmlns:dgm="http://schemas.openxmlformats.org/drawingml/2006/diagram" xmlns:o="urn:schemas-microsoft-com:office:office" xmlns:v="urn:schemas-microsoft-com:vml" xmlns:pvml="urn:schemas-microsoft-com:office:powerpoint" xmlns:com="http://schemas.openxmlformats.org/drawingml/2006/compatibility" xmlns:p15="http://schemas.microsoft.com/office/powerpoint/2012/main">
       <p:transition spd="slow">
         <p:fade/>
       </p:transition>
@@ -52200,7 +52203,7 @@
         <p:fade thruBlk="1"/>
       </p:transition>
     </mc:Choice>
-    <mc:Fallback xmlns:p15="http://schemas.microsoft.com/office/powerpoint/2012/main" xmlns:com="http://schemas.openxmlformats.org/drawingml/2006/compatibility" xmlns:pvml="urn:schemas-microsoft-com:office:powerpoint" xmlns:v="urn:schemas-microsoft-com:vml" xmlns:o="urn:schemas-microsoft-com:office:office" xmlns:dgm="http://schemas.openxmlformats.org/drawingml/2006/diagram" xmlns:c="http://schemas.openxmlformats.org/drawingml/2006/chart" xmlns:mv="urn:schemas-microsoft-com:mac:vml" xmlns="">
+    <mc:Fallback xmlns="" xmlns:mv="urn:schemas-microsoft-com:mac:vml" xmlns:c="http://schemas.openxmlformats.org/drawingml/2006/chart" xmlns:dgm="http://schemas.openxmlformats.org/drawingml/2006/diagram" xmlns:o="urn:schemas-microsoft-com:office:office" xmlns:v="urn:schemas-microsoft-com:vml" xmlns:pvml="urn:schemas-microsoft-com:office:powerpoint" xmlns:com="http://schemas.openxmlformats.org/drawingml/2006/compatibility" xmlns:p15="http://schemas.microsoft.com/office/powerpoint/2012/main">
       <p:transition spd="slow">
         <p:fade/>
       </p:transition>
@@ -52799,7 +52802,7 @@
         <p:fade thruBlk="1"/>
       </p:transition>
     </mc:Choice>
-    <mc:Fallback xmlns:p15="http://schemas.microsoft.com/office/powerpoint/2012/main" xmlns:com="http://schemas.openxmlformats.org/drawingml/2006/compatibility" xmlns:pvml="urn:schemas-microsoft-com:office:powerpoint" xmlns:v="urn:schemas-microsoft-com:vml" xmlns:o="urn:schemas-microsoft-com:office:office" xmlns:dgm="http://schemas.openxmlformats.org/drawingml/2006/diagram" xmlns:c="http://schemas.openxmlformats.org/drawingml/2006/chart" xmlns:mv="urn:schemas-microsoft-com:mac:vml" xmlns="">
+    <mc:Fallback xmlns="" xmlns:mv="urn:schemas-microsoft-com:mac:vml" xmlns:c="http://schemas.openxmlformats.org/drawingml/2006/chart" xmlns:dgm="http://schemas.openxmlformats.org/drawingml/2006/diagram" xmlns:o="urn:schemas-microsoft-com:office:office" xmlns:v="urn:schemas-microsoft-com:vml" xmlns:pvml="urn:schemas-microsoft-com:office:powerpoint" xmlns:com="http://schemas.openxmlformats.org/drawingml/2006/compatibility" xmlns:p15="http://schemas.microsoft.com/office/powerpoint/2012/main">
       <p:transition spd="slow">
         <p:fade/>
       </p:transition>
@@ -53373,7 +53376,7 @@
         <p:fade thruBlk="1"/>
       </p:transition>
     </mc:Choice>
-    <mc:Fallback xmlns:p15="http://schemas.microsoft.com/office/powerpoint/2012/main" xmlns:com="http://schemas.openxmlformats.org/drawingml/2006/compatibility" xmlns:pvml="urn:schemas-microsoft-com:office:powerpoint" xmlns:v="urn:schemas-microsoft-com:vml" xmlns:o="urn:schemas-microsoft-com:office:office" xmlns:dgm="http://schemas.openxmlformats.org/drawingml/2006/diagram" xmlns:c="http://schemas.openxmlformats.org/drawingml/2006/chart" xmlns:mv="urn:schemas-microsoft-com:mac:vml" xmlns="">
+    <mc:Fallback xmlns="" xmlns:mv="urn:schemas-microsoft-com:mac:vml" xmlns:c="http://schemas.openxmlformats.org/drawingml/2006/chart" xmlns:dgm="http://schemas.openxmlformats.org/drawingml/2006/diagram" xmlns:o="urn:schemas-microsoft-com:office:office" xmlns:v="urn:schemas-microsoft-com:vml" xmlns:pvml="urn:schemas-microsoft-com:office:powerpoint" xmlns:com="http://schemas.openxmlformats.org/drawingml/2006/compatibility" xmlns:p15="http://schemas.microsoft.com/office/powerpoint/2012/main">
       <p:transition spd="slow">
         <p:fade/>
       </p:transition>
@@ -54023,7 +54026,7 @@
         <p:fade thruBlk="1"/>
       </p:transition>
     </mc:Choice>
-    <mc:Fallback xmlns:p15="http://schemas.microsoft.com/office/powerpoint/2012/main" xmlns:com="http://schemas.openxmlformats.org/drawingml/2006/compatibility" xmlns:pvml="urn:schemas-microsoft-com:office:powerpoint" xmlns:v="urn:schemas-microsoft-com:vml" xmlns:o="urn:schemas-microsoft-com:office:office" xmlns:dgm="http://schemas.openxmlformats.org/drawingml/2006/diagram" xmlns:c="http://schemas.openxmlformats.org/drawingml/2006/chart" xmlns:mv="urn:schemas-microsoft-com:mac:vml" xmlns="">
+    <mc:Fallback xmlns="" xmlns:mv="urn:schemas-microsoft-com:mac:vml" xmlns:c="http://schemas.openxmlformats.org/drawingml/2006/chart" xmlns:dgm="http://schemas.openxmlformats.org/drawingml/2006/diagram" xmlns:o="urn:schemas-microsoft-com:office:office" xmlns:v="urn:schemas-microsoft-com:vml" xmlns:pvml="urn:schemas-microsoft-com:office:powerpoint" xmlns:com="http://schemas.openxmlformats.org/drawingml/2006/compatibility" xmlns:p15="http://schemas.microsoft.com/office/powerpoint/2012/main">
       <p:transition spd="slow">
         <p:fade/>
       </p:transition>
@@ -54442,7 +54445,7 @@
         <p:fade thruBlk="1"/>
       </p:transition>
     </mc:Choice>
-    <mc:Fallback xmlns:p15="http://schemas.microsoft.com/office/powerpoint/2012/main" xmlns:com="http://schemas.openxmlformats.org/drawingml/2006/compatibility" xmlns:pvml="urn:schemas-microsoft-com:office:powerpoint" xmlns:v="urn:schemas-microsoft-com:vml" xmlns:o="urn:schemas-microsoft-com:office:office" xmlns:dgm="http://schemas.openxmlformats.org/drawingml/2006/diagram" xmlns:c="http://schemas.openxmlformats.org/drawingml/2006/chart" xmlns:mv="urn:schemas-microsoft-com:mac:vml" xmlns="">
+    <mc:Fallback xmlns="" xmlns:mv="urn:schemas-microsoft-com:mac:vml" xmlns:c="http://schemas.openxmlformats.org/drawingml/2006/chart" xmlns:dgm="http://schemas.openxmlformats.org/drawingml/2006/diagram" xmlns:o="urn:schemas-microsoft-com:office:office" xmlns:v="urn:schemas-microsoft-com:vml" xmlns:pvml="urn:schemas-microsoft-com:office:powerpoint" xmlns:com="http://schemas.openxmlformats.org/drawingml/2006/compatibility" xmlns:p15="http://schemas.microsoft.com/office/powerpoint/2012/main">
       <p:transition spd="slow">
         <p:fade/>
       </p:transition>
@@ -54999,7 +55002,7 @@
         <p:fade thruBlk="1"/>
       </p:transition>
     </mc:Choice>
-    <mc:Fallback xmlns:p15="http://schemas.microsoft.com/office/powerpoint/2012/main" xmlns:com="http://schemas.openxmlformats.org/drawingml/2006/compatibility" xmlns:pvml="urn:schemas-microsoft-com:office:powerpoint" xmlns:v="urn:schemas-microsoft-com:vml" xmlns:o="urn:schemas-microsoft-com:office:office" xmlns:dgm="http://schemas.openxmlformats.org/drawingml/2006/diagram" xmlns:c="http://schemas.openxmlformats.org/drawingml/2006/chart" xmlns:mv="urn:schemas-microsoft-com:mac:vml" xmlns="">
+    <mc:Fallback xmlns="" xmlns:mv="urn:schemas-microsoft-com:mac:vml" xmlns:c="http://schemas.openxmlformats.org/drawingml/2006/chart" xmlns:dgm="http://schemas.openxmlformats.org/drawingml/2006/diagram" xmlns:o="urn:schemas-microsoft-com:office:office" xmlns:v="urn:schemas-microsoft-com:vml" xmlns:pvml="urn:schemas-microsoft-com:office:powerpoint" xmlns:com="http://schemas.openxmlformats.org/drawingml/2006/compatibility" xmlns:p15="http://schemas.microsoft.com/office/powerpoint/2012/main">
       <p:transition spd="slow">
         <p:fade/>
       </p:transition>

--- a/Advanced Multimedia Information Processing and Communications/14 (23) Digital Watermarking/Digital Watermarking.pptx
+++ b/Advanced Multimedia Information Processing and Communications/14 (23) Digital Watermarking/Digital Watermarking.pptx
@@ -302,7 +302,7 @@
       <p15:sldGuideLst xmlns:p15="http://schemas.microsoft.com/office/powerpoint/2012/main"/>
     </p:ext>
     <p:ext uri="http://customooxmlschemas.google.com/">
-      <go:slidesCustomData xmlns="" xmlns:mc="http://schemas.openxmlformats.org/markup-compatibility/2006" xmlns:mv="urn:schemas-microsoft-com:mac:vml" xmlns:c="http://schemas.openxmlformats.org/drawingml/2006/chart" xmlns:dgm="http://schemas.openxmlformats.org/drawingml/2006/diagram" xmlns:o="urn:schemas-microsoft-com:office:office" xmlns:v="urn:schemas-microsoft-com:vml" xmlns:pvml="urn:schemas-microsoft-com:office:powerpoint" xmlns:com="http://schemas.openxmlformats.org/drawingml/2006/compatibility" xmlns:p14="http://schemas.microsoft.com/office/powerpoint/2010/main" xmlns:p15="http://schemas.microsoft.com/office/powerpoint/2012/main" xmlns:go="http://customooxmlschemas.google.com/" r:id="rId49" roundtripDataSignature="AMtx7miaaBwd14tUSS2jnbCjxYzOzOAoOA=="/>
+      <go:slidesCustomData xmlns:go="http://customooxmlschemas.google.com/" xmlns:p15="http://schemas.microsoft.com/office/powerpoint/2012/main" xmlns:p14="http://schemas.microsoft.com/office/powerpoint/2010/main" xmlns:com="http://schemas.openxmlformats.org/drawingml/2006/compatibility" xmlns:pvml="urn:schemas-microsoft-com:office:powerpoint" xmlns:v="urn:schemas-microsoft-com:vml" xmlns:o="urn:schemas-microsoft-com:office:office" xmlns:dgm="http://schemas.openxmlformats.org/drawingml/2006/diagram" xmlns:c="http://schemas.openxmlformats.org/drawingml/2006/chart" xmlns:mv="urn:schemas-microsoft-com:mac:vml" xmlns:mc="http://schemas.openxmlformats.org/markup-compatibility/2006" xmlns="" r:id="rId49" roundtripDataSignature="AMtx7miaaBwd14tUSS2jnbCjxYzOzOAoOA=="/>
     </p:ext>
   </p:extLst>
 </p:presentation>
@@ -40047,7 +40047,7 @@
         <p:fade thruBlk="1"/>
       </p:transition>
     </mc:Choice>
-    <mc:Fallback xmlns="" xmlns:mv="urn:schemas-microsoft-com:mac:vml" xmlns:c="http://schemas.openxmlformats.org/drawingml/2006/chart" xmlns:dgm="http://schemas.openxmlformats.org/drawingml/2006/diagram" xmlns:o="urn:schemas-microsoft-com:office:office" xmlns:v="urn:schemas-microsoft-com:vml" xmlns:pvml="urn:schemas-microsoft-com:office:powerpoint" xmlns:com="http://schemas.openxmlformats.org/drawingml/2006/compatibility" xmlns:p15="http://schemas.microsoft.com/office/powerpoint/2012/main">
+    <mc:Fallback xmlns:p15="http://schemas.microsoft.com/office/powerpoint/2012/main" xmlns:com="http://schemas.openxmlformats.org/drawingml/2006/compatibility" xmlns:pvml="urn:schemas-microsoft-com:office:powerpoint" xmlns:v="urn:schemas-microsoft-com:vml" xmlns:o="urn:schemas-microsoft-com:office:office" xmlns:dgm="http://schemas.openxmlformats.org/drawingml/2006/diagram" xmlns:c="http://schemas.openxmlformats.org/drawingml/2006/chart" xmlns:mv="urn:schemas-microsoft-com:mac:vml" xmlns="">
       <p:transition spd="slow">
         <p:fade/>
       </p:transition>
@@ -40421,7 +40421,7 @@
         <p:fade thruBlk="1"/>
       </p:transition>
     </mc:Choice>
-    <mc:Fallback xmlns="" xmlns:mv="urn:schemas-microsoft-com:mac:vml" xmlns:c="http://schemas.openxmlformats.org/drawingml/2006/chart" xmlns:dgm="http://schemas.openxmlformats.org/drawingml/2006/diagram" xmlns:o="urn:schemas-microsoft-com:office:office" xmlns:v="urn:schemas-microsoft-com:vml" xmlns:pvml="urn:schemas-microsoft-com:office:powerpoint" xmlns:com="http://schemas.openxmlformats.org/drawingml/2006/compatibility" xmlns:p15="http://schemas.microsoft.com/office/powerpoint/2012/main">
+    <mc:Fallback xmlns:p15="http://schemas.microsoft.com/office/powerpoint/2012/main" xmlns:com="http://schemas.openxmlformats.org/drawingml/2006/compatibility" xmlns:pvml="urn:schemas-microsoft-com:office:powerpoint" xmlns:v="urn:schemas-microsoft-com:vml" xmlns:o="urn:schemas-microsoft-com:office:office" xmlns:dgm="http://schemas.openxmlformats.org/drawingml/2006/diagram" xmlns:c="http://schemas.openxmlformats.org/drawingml/2006/chart" xmlns:mv="urn:schemas-microsoft-com:mac:vml" xmlns="">
       <p:transition spd="slow">
         <p:fade/>
       </p:transition>
@@ -41034,7 +41034,7 @@
         <p:fade thruBlk="1"/>
       </p:transition>
     </mc:Choice>
-    <mc:Fallback xmlns="" xmlns:mv="urn:schemas-microsoft-com:mac:vml" xmlns:c="http://schemas.openxmlformats.org/drawingml/2006/chart" xmlns:dgm="http://schemas.openxmlformats.org/drawingml/2006/diagram" xmlns:o="urn:schemas-microsoft-com:office:office" xmlns:v="urn:schemas-microsoft-com:vml" xmlns:pvml="urn:schemas-microsoft-com:office:powerpoint" xmlns:com="http://schemas.openxmlformats.org/drawingml/2006/compatibility" xmlns:p15="http://schemas.microsoft.com/office/powerpoint/2012/main">
+    <mc:Fallback xmlns:p15="http://schemas.microsoft.com/office/powerpoint/2012/main" xmlns:com="http://schemas.openxmlformats.org/drawingml/2006/compatibility" xmlns:pvml="urn:schemas-microsoft-com:office:powerpoint" xmlns:v="urn:schemas-microsoft-com:vml" xmlns:o="urn:schemas-microsoft-com:office:office" xmlns:dgm="http://schemas.openxmlformats.org/drawingml/2006/diagram" xmlns:c="http://schemas.openxmlformats.org/drawingml/2006/chart" xmlns:mv="urn:schemas-microsoft-com:mac:vml" xmlns="">
       <p:transition spd="slow">
         <p:fade/>
       </p:transition>
@@ -41641,7 +41641,7 @@
         <p:fade thruBlk="1"/>
       </p:transition>
     </mc:Choice>
-    <mc:Fallback xmlns="" xmlns:mv="urn:schemas-microsoft-com:mac:vml" xmlns:c="http://schemas.openxmlformats.org/drawingml/2006/chart" xmlns:dgm="http://schemas.openxmlformats.org/drawingml/2006/diagram" xmlns:o="urn:schemas-microsoft-com:office:office" xmlns:v="urn:schemas-microsoft-com:vml" xmlns:pvml="urn:schemas-microsoft-com:office:powerpoint" xmlns:com="http://schemas.openxmlformats.org/drawingml/2006/compatibility" xmlns:p15="http://schemas.microsoft.com/office/powerpoint/2012/main">
+    <mc:Fallback xmlns:p15="http://schemas.microsoft.com/office/powerpoint/2012/main" xmlns:com="http://schemas.openxmlformats.org/drawingml/2006/compatibility" xmlns:pvml="urn:schemas-microsoft-com:office:powerpoint" xmlns:v="urn:schemas-microsoft-com:vml" xmlns:o="urn:schemas-microsoft-com:office:office" xmlns:dgm="http://schemas.openxmlformats.org/drawingml/2006/diagram" xmlns:c="http://schemas.openxmlformats.org/drawingml/2006/chart" xmlns:mv="urn:schemas-microsoft-com:mac:vml" xmlns="">
       <p:transition spd="slow">
         <p:fade/>
       </p:transition>
@@ -41969,7 +41969,7 @@
         <p:fade thruBlk="1"/>
       </p:transition>
     </mc:Choice>
-    <mc:Fallback xmlns="" xmlns:mv="urn:schemas-microsoft-com:mac:vml" xmlns:c="http://schemas.openxmlformats.org/drawingml/2006/chart" xmlns:dgm="http://schemas.openxmlformats.org/drawingml/2006/diagram" xmlns:o="urn:schemas-microsoft-com:office:office" xmlns:v="urn:schemas-microsoft-com:vml" xmlns:pvml="urn:schemas-microsoft-com:office:powerpoint" xmlns:com="http://schemas.openxmlformats.org/drawingml/2006/compatibility" xmlns:p15="http://schemas.microsoft.com/office/powerpoint/2012/main">
+    <mc:Fallback xmlns:p15="http://schemas.microsoft.com/office/powerpoint/2012/main" xmlns:com="http://schemas.openxmlformats.org/drawingml/2006/compatibility" xmlns:pvml="urn:schemas-microsoft-com:office:powerpoint" xmlns:v="urn:schemas-microsoft-com:vml" xmlns:o="urn:schemas-microsoft-com:office:office" xmlns:dgm="http://schemas.openxmlformats.org/drawingml/2006/diagram" xmlns:c="http://schemas.openxmlformats.org/drawingml/2006/chart" xmlns:mv="urn:schemas-microsoft-com:mac:vml" xmlns="">
       <p:transition spd="slow">
         <p:fade/>
       </p:transition>
@@ -42370,7 +42370,7 @@
         <p:fade thruBlk="1"/>
       </p:transition>
     </mc:Choice>
-    <mc:Fallback xmlns="" xmlns:mv="urn:schemas-microsoft-com:mac:vml" xmlns:c="http://schemas.openxmlformats.org/drawingml/2006/chart" xmlns:dgm="http://schemas.openxmlformats.org/drawingml/2006/diagram" xmlns:o="urn:schemas-microsoft-com:office:office" xmlns:v="urn:schemas-microsoft-com:vml" xmlns:pvml="urn:schemas-microsoft-com:office:powerpoint" xmlns:com="http://schemas.openxmlformats.org/drawingml/2006/compatibility" xmlns:p15="http://schemas.microsoft.com/office/powerpoint/2012/main">
+    <mc:Fallback xmlns:p15="http://schemas.microsoft.com/office/powerpoint/2012/main" xmlns:com="http://schemas.openxmlformats.org/drawingml/2006/compatibility" xmlns:pvml="urn:schemas-microsoft-com:office:powerpoint" xmlns:v="urn:schemas-microsoft-com:vml" xmlns:o="urn:schemas-microsoft-com:office:office" xmlns:dgm="http://schemas.openxmlformats.org/drawingml/2006/diagram" xmlns:c="http://schemas.openxmlformats.org/drawingml/2006/chart" xmlns:mv="urn:schemas-microsoft-com:mac:vml" xmlns="">
       <p:transition spd="slow">
         <p:fade/>
       </p:transition>
@@ -42819,7 +42819,7 @@
         <p:fade thruBlk="1"/>
       </p:transition>
     </mc:Choice>
-    <mc:Fallback xmlns="" xmlns:mv="urn:schemas-microsoft-com:mac:vml" xmlns:c="http://schemas.openxmlformats.org/drawingml/2006/chart" xmlns:dgm="http://schemas.openxmlformats.org/drawingml/2006/diagram" xmlns:o="urn:schemas-microsoft-com:office:office" xmlns:v="urn:schemas-microsoft-com:vml" xmlns:pvml="urn:schemas-microsoft-com:office:powerpoint" xmlns:com="http://schemas.openxmlformats.org/drawingml/2006/compatibility" xmlns:p15="http://schemas.microsoft.com/office/powerpoint/2012/main">
+    <mc:Fallback xmlns:p15="http://schemas.microsoft.com/office/powerpoint/2012/main" xmlns:com="http://schemas.openxmlformats.org/drawingml/2006/compatibility" xmlns:pvml="urn:schemas-microsoft-com:office:powerpoint" xmlns:v="urn:schemas-microsoft-com:vml" xmlns:o="urn:schemas-microsoft-com:office:office" xmlns:dgm="http://schemas.openxmlformats.org/drawingml/2006/diagram" xmlns:c="http://schemas.openxmlformats.org/drawingml/2006/chart" xmlns:mv="urn:schemas-microsoft-com:mac:vml" xmlns="">
       <p:transition spd="slow">
         <p:fade/>
       </p:transition>
@@ -43077,7 +43077,7 @@
         <p:fade thruBlk="1"/>
       </p:transition>
     </mc:Choice>
-    <mc:Fallback xmlns="" xmlns:mv="urn:schemas-microsoft-com:mac:vml" xmlns:c="http://schemas.openxmlformats.org/drawingml/2006/chart" xmlns:dgm="http://schemas.openxmlformats.org/drawingml/2006/diagram" xmlns:o="urn:schemas-microsoft-com:office:office" xmlns:v="urn:schemas-microsoft-com:vml" xmlns:pvml="urn:schemas-microsoft-com:office:powerpoint" xmlns:com="http://schemas.openxmlformats.org/drawingml/2006/compatibility" xmlns:p15="http://schemas.microsoft.com/office/powerpoint/2012/main">
+    <mc:Fallback xmlns:p15="http://schemas.microsoft.com/office/powerpoint/2012/main" xmlns:com="http://schemas.openxmlformats.org/drawingml/2006/compatibility" xmlns:pvml="urn:schemas-microsoft-com:office:powerpoint" xmlns:v="urn:schemas-microsoft-com:vml" xmlns:o="urn:schemas-microsoft-com:office:office" xmlns:dgm="http://schemas.openxmlformats.org/drawingml/2006/diagram" xmlns:c="http://schemas.openxmlformats.org/drawingml/2006/chart" xmlns:mv="urn:schemas-microsoft-com:mac:vml" xmlns="">
       <p:transition spd="slow">
         <p:fade/>
       </p:transition>
@@ -43796,7 +43796,7 @@
         <p:fade thruBlk="1"/>
       </p:transition>
     </mc:Choice>
-    <mc:Fallback xmlns="" xmlns:mv="urn:schemas-microsoft-com:mac:vml" xmlns:c="http://schemas.openxmlformats.org/drawingml/2006/chart" xmlns:dgm="http://schemas.openxmlformats.org/drawingml/2006/diagram" xmlns:o="urn:schemas-microsoft-com:office:office" xmlns:v="urn:schemas-microsoft-com:vml" xmlns:pvml="urn:schemas-microsoft-com:office:powerpoint" xmlns:com="http://schemas.openxmlformats.org/drawingml/2006/compatibility" xmlns:p15="http://schemas.microsoft.com/office/powerpoint/2012/main">
+    <mc:Fallback xmlns:p15="http://schemas.microsoft.com/office/powerpoint/2012/main" xmlns:com="http://schemas.openxmlformats.org/drawingml/2006/compatibility" xmlns:pvml="urn:schemas-microsoft-com:office:powerpoint" xmlns:v="urn:schemas-microsoft-com:vml" xmlns:o="urn:schemas-microsoft-com:office:office" xmlns:dgm="http://schemas.openxmlformats.org/drawingml/2006/diagram" xmlns:c="http://schemas.openxmlformats.org/drawingml/2006/chart" xmlns:mv="urn:schemas-microsoft-com:mac:vml" xmlns="">
       <p:transition spd="slow">
         <p:fade/>
       </p:transition>
@@ -44164,7 +44164,7 @@
         <p:fade thruBlk="1"/>
       </p:transition>
     </mc:Choice>
-    <mc:Fallback xmlns="" xmlns:mv="urn:schemas-microsoft-com:mac:vml" xmlns:c="http://schemas.openxmlformats.org/drawingml/2006/chart" xmlns:dgm="http://schemas.openxmlformats.org/drawingml/2006/diagram" xmlns:o="urn:schemas-microsoft-com:office:office" xmlns:v="urn:schemas-microsoft-com:vml" xmlns:pvml="urn:schemas-microsoft-com:office:powerpoint" xmlns:com="http://schemas.openxmlformats.org/drawingml/2006/compatibility" xmlns:p15="http://schemas.microsoft.com/office/powerpoint/2012/main">
+    <mc:Fallback xmlns:p15="http://schemas.microsoft.com/office/powerpoint/2012/main" xmlns:com="http://schemas.openxmlformats.org/drawingml/2006/compatibility" xmlns:pvml="urn:schemas-microsoft-com:office:powerpoint" xmlns:v="urn:schemas-microsoft-com:vml" xmlns:o="urn:schemas-microsoft-com:office:office" xmlns:dgm="http://schemas.openxmlformats.org/drawingml/2006/diagram" xmlns:c="http://schemas.openxmlformats.org/drawingml/2006/chart" xmlns:mv="urn:schemas-microsoft-com:mac:vml" xmlns="">
       <p:transition spd="slow">
         <p:fade/>
       </p:transition>
@@ -44738,7 +44738,7 @@
         <p:fade thruBlk="1"/>
       </p:transition>
     </mc:Choice>
-    <mc:Fallback xmlns="" xmlns:mv="urn:schemas-microsoft-com:mac:vml" xmlns:c="http://schemas.openxmlformats.org/drawingml/2006/chart" xmlns:dgm="http://schemas.openxmlformats.org/drawingml/2006/diagram" xmlns:o="urn:schemas-microsoft-com:office:office" xmlns:v="urn:schemas-microsoft-com:vml" xmlns:pvml="urn:schemas-microsoft-com:office:powerpoint" xmlns:com="http://schemas.openxmlformats.org/drawingml/2006/compatibility" xmlns:p15="http://schemas.microsoft.com/office/powerpoint/2012/main">
+    <mc:Fallback xmlns:p15="http://schemas.microsoft.com/office/powerpoint/2012/main" xmlns:com="http://schemas.openxmlformats.org/drawingml/2006/compatibility" xmlns:pvml="urn:schemas-microsoft-com:office:powerpoint" xmlns:v="urn:schemas-microsoft-com:vml" xmlns:o="urn:schemas-microsoft-com:office:office" xmlns:dgm="http://schemas.openxmlformats.org/drawingml/2006/diagram" xmlns:c="http://schemas.openxmlformats.org/drawingml/2006/chart" xmlns:mv="urn:schemas-microsoft-com:mac:vml" xmlns="">
       <p:transition spd="slow">
         <p:fade/>
       </p:transition>
@@ -44930,7 +44930,7 @@
         <p:fade thruBlk="1"/>
       </p:transition>
     </mc:Choice>
-    <mc:Fallback xmlns="" xmlns:mv="urn:schemas-microsoft-com:mac:vml" xmlns:c="http://schemas.openxmlformats.org/drawingml/2006/chart" xmlns:dgm="http://schemas.openxmlformats.org/drawingml/2006/diagram" xmlns:o="urn:schemas-microsoft-com:office:office" xmlns:v="urn:schemas-microsoft-com:vml" xmlns:pvml="urn:schemas-microsoft-com:office:powerpoint" xmlns:com="http://schemas.openxmlformats.org/drawingml/2006/compatibility" xmlns:p15="http://schemas.microsoft.com/office/powerpoint/2012/main">
+    <mc:Fallback xmlns:p15="http://schemas.microsoft.com/office/powerpoint/2012/main" xmlns:com="http://schemas.openxmlformats.org/drawingml/2006/compatibility" xmlns:pvml="urn:schemas-microsoft-com:office:powerpoint" xmlns:v="urn:schemas-microsoft-com:vml" xmlns:o="urn:schemas-microsoft-com:office:office" xmlns:dgm="http://schemas.openxmlformats.org/drawingml/2006/diagram" xmlns:c="http://schemas.openxmlformats.org/drawingml/2006/chart" xmlns:mv="urn:schemas-microsoft-com:mac:vml" xmlns="">
       <p:transition spd="slow">
         <p:fade/>
       </p:transition>
@@ -45682,7 +45682,7 @@
         <p:fade thruBlk="1"/>
       </p:transition>
     </mc:Choice>
-    <mc:Fallback xmlns="" xmlns:mv="urn:schemas-microsoft-com:mac:vml" xmlns:c="http://schemas.openxmlformats.org/drawingml/2006/chart" xmlns:dgm="http://schemas.openxmlformats.org/drawingml/2006/diagram" xmlns:o="urn:schemas-microsoft-com:office:office" xmlns:v="urn:schemas-microsoft-com:vml" xmlns:pvml="urn:schemas-microsoft-com:office:powerpoint" xmlns:com="http://schemas.openxmlformats.org/drawingml/2006/compatibility" xmlns:p15="http://schemas.microsoft.com/office/powerpoint/2012/main">
+    <mc:Fallback xmlns:p15="http://schemas.microsoft.com/office/powerpoint/2012/main" xmlns:com="http://schemas.openxmlformats.org/drawingml/2006/compatibility" xmlns:pvml="urn:schemas-microsoft-com:office:powerpoint" xmlns:v="urn:schemas-microsoft-com:vml" xmlns:o="urn:schemas-microsoft-com:office:office" xmlns:dgm="http://schemas.openxmlformats.org/drawingml/2006/diagram" xmlns:c="http://schemas.openxmlformats.org/drawingml/2006/chart" xmlns:mv="urn:schemas-microsoft-com:mac:vml" xmlns="">
       <p:transition spd="slow">
         <p:fade/>
       </p:transition>
@@ -46313,7 +46313,7 @@
         <p:fade thruBlk="1"/>
       </p:transition>
     </mc:Choice>
-    <mc:Fallback xmlns="" xmlns:mv="urn:schemas-microsoft-com:mac:vml" xmlns:c="http://schemas.openxmlformats.org/drawingml/2006/chart" xmlns:dgm="http://schemas.openxmlformats.org/drawingml/2006/diagram" xmlns:o="urn:schemas-microsoft-com:office:office" xmlns:v="urn:schemas-microsoft-com:vml" xmlns:pvml="urn:schemas-microsoft-com:office:powerpoint" xmlns:com="http://schemas.openxmlformats.org/drawingml/2006/compatibility" xmlns:p15="http://schemas.microsoft.com/office/powerpoint/2012/main">
+    <mc:Fallback xmlns:p15="http://schemas.microsoft.com/office/powerpoint/2012/main" xmlns:com="http://schemas.openxmlformats.org/drawingml/2006/compatibility" xmlns:pvml="urn:schemas-microsoft-com:office:powerpoint" xmlns:v="urn:schemas-microsoft-com:vml" xmlns:o="urn:schemas-microsoft-com:office:office" xmlns:dgm="http://schemas.openxmlformats.org/drawingml/2006/diagram" xmlns:c="http://schemas.openxmlformats.org/drawingml/2006/chart" xmlns:mv="urn:schemas-microsoft-com:mac:vml" xmlns="">
       <p:transition spd="slow">
         <p:fade/>
       </p:transition>
@@ -46906,7 +46906,7 @@
         <p:fade thruBlk="1"/>
       </p:transition>
     </mc:Choice>
-    <mc:Fallback xmlns="" xmlns:mv="urn:schemas-microsoft-com:mac:vml" xmlns:c="http://schemas.openxmlformats.org/drawingml/2006/chart" xmlns:dgm="http://schemas.openxmlformats.org/drawingml/2006/diagram" xmlns:o="urn:schemas-microsoft-com:office:office" xmlns:v="urn:schemas-microsoft-com:vml" xmlns:pvml="urn:schemas-microsoft-com:office:powerpoint" xmlns:com="http://schemas.openxmlformats.org/drawingml/2006/compatibility" xmlns:p15="http://schemas.microsoft.com/office/powerpoint/2012/main">
+    <mc:Fallback xmlns:p15="http://schemas.microsoft.com/office/powerpoint/2012/main" xmlns:com="http://schemas.openxmlformats.org/drawingml/2006/compatibility" xmlns:pvml="urn:schemas-microsoft-com:office:powerpoint" xmlns:v="urn:schemas-microsoft-com:vml" xmlns:o="urn:schemas-microsoft-com:office:office" xmlns:dgm="http://schemas.openxmlformats.org/drawingml/2006/diagram" xmlns:c="http://schemas.openxmlformats.org/drawingml/2006/chart" xmlns:mv="urn:schemas-microsoft-com:mac:vml" xmlns="">
       <p:transition spd="slow">
         <p:fade/>
       </p:transition>
@@ -47508,7 +47508,7 @@
         <p:fade thruBlk="1"/>
       </p:transition>
     </mc:Choice>
-    <mc:Fallback xmlns="" xmlns:mv="urn:schemas-microsoft-com:mac:vml" xmlns:c="http://schemas.openxmlformats.org/drawingml/2006/chart" xmlns:dgm="http://schemas.openxmlformats.org/drawingml/2006/diagram" xmlns:o="urn:schemas-microsoft-com:office:office" xmlns:v="urn:schemas-microsoft-com:vml" xmlns:pvml="urn:schemas-microsoft-com:office:powerpoint" xmlns:com="http://schemas.openxmlformats.org/drawingml/2006/compatibility" xmlns:p15="http://schemas.microsoft.com/office/powerpoint/2012/main">
+    <mc:Fallback xmlns:p15="http://schemas.microsoft.com/office/powerpoint/2012/main" xmlns:com="http://schemas.openxmlformats.org/drawingml/2006/compatibility" xmlns:pvml="urn:schemas-microsoft-com:office:powerpoint" xmlns:v="urn:schemas-microsoft-com:vml" xmlns:o="urn:schemas-microsoft-com:office:office" xmlns:dgm="http://schemas.openxmlformats.org/drawingml/2006/diagram" xmlns:c="http://schemas.openxmlformats.org/drawingml/2006/chart" xmlns:mv="urn:schemas-microsoft-com:mac:vml" xmlns="">
       <p:transition spd="slow">
         <p:fade/>
       </p:transition>
@@ -47727,7 +47727,7 @@
         <p:fade thruBlk="1"/>
       </p:transition>
     </mc:Choice>
-    <mc:Fallback xmlns="" xmlns:mv="urn:schemas-microsoft-com:mac:vml" xmlns:c="http://schemas.openxmlformats.org/drawingml/2006/chart" xmlns:dgm="http://schemas.openxmlformats.org/drawingml/2006/diagram" xmlns:o="urn:schemas-microsoft-com:office:office" xmlns:v="urn:schemas-microsoft-com:vml" xmlns:pvml="urn:schemas-microsoft-com:office:powerpoint" xmlns:com="http://schemas.openxmlformats.org/drawingml/2006/compatibility" xmlns:p15="http://schemas.microsoft.com/office/powerpoint/2012/main">
+    <mc:Fallback xmlns:p15="http://schemas.microsoft.com/office/powerpoint/2012/main" xmlns:com="http://schemas.openxmlformats.org/drawingml/2006/compatibility" xmlns:pvml="urn:schemas-microsoft-com:office:powerpoint" xmlns:v="urn:schemas-microsoft-com:vml" xmlns:o="urn:schemas-microsoft-com:office:office" xmlns:dgm="http://schemas.openxmlformats.org/drawingml/2006/diagram" xmlns:c="http://schemas.openxmlformats.org/drawingml/2006/chart" xmlns:mv="urn:schemas-microsoft-com:mac:vml" xmlns="">
       <p:transition spd="slow">
         <p:fade/>
       </p:transition>
@@ -47963,7 +47963,7 @@
         <p:fade thruBlk="1"/>
       </p:transition>
     </mc:Choice>
-    <mc:Fallback xmlns="" xmlns:mv="urn:schemas-microsoft-com:mac:vml" xmlns:c="http://schemas.openxmlformats.org/drawingml/2006/chart" xmlns:dgm="http://schemas.openxmlformats.org/drawingml/2006/diagram" xmlns:o="urn:schemas-microsoft-com:office:office" xmlns:v="urn:schemas-microsoft-com:vml" xmlns:pvml="urn:schemas-microsoft-com:office:powerpoint" xmlns:com="http://schemas.openxmlformats.org/drawingml/2006/compatibility" xmlns:p15="http://schemas.microsoft.com/office/powerpoint/2012/main">
+    <mc:Fallback xmlns:p15="http://schemas.microsoft.com/office/powerpoint/2012/main" xmlns:com="http://schemas.openxmlformats.org/drawingml/2006/compatibility" xmlns:pvml="urn:schemas-microsoft-com:office:powerpoint" xmlns:v="urn:schemas-microsoft-com:vml" xmlns:o="urn:schemas-microsoft-com:office:office" xmlns:dgm="http://schemas.openxmlformats.org/drawingml/2006/diagram" xmlns:c="http://schemas.openxmlformats.org/drawingml/2006/chart" xmlns:mv="urn:schemas-microsoft-com:mac:vml" xmlns="">
       <p:transition spd="slow">
         <p:fade/>
       </p:transition>
@@ -48191,7 +48191,7 @@
         <p:fade thruBlk="1"/>
       </p:transition>
     </mc:Choice>
-    <mc:Fallback xmlns="" xmlns:mv="urn:schemas-microsoft-com:mac:vml" xmlns:c="http://schemas.openxmlformats.org/drawingml/2006/chart" xmlns:dgm="http://schemas.openxmlformats.org/drawingml/2006/diagram" xmlns:o="urn:schemas-microsoft-com:office:office" xmlns:v="urn:schemas-microsoft-com:vml" xmlns:pvml="urn:schemas-microsoft-com:office:powerpoint" xmlns:com="http://schemas.openxmlformats.org/drawingml/2006/compatibility" xmlns:p15="http://schemas.microsoft.com/office/powerpoint/2012/main">
+    <mc:Fallback xmlns:p15="http://schemas.microsoft.com/office/powerpoint/2012/main" xmlns:com="http://schemas.openxmlformats.org/drawingml/2006/compatibility" xmlns:pvml="urn:schemas-microsoft-com:office:powerpoint" xmlns:v="urn:schemas-microsoft-com:vml" xmlns:o="urn:schemas-microsoft-com:office:office" xmlns:dgm="http://schemas.openxmlformats.org/drawingml/2006/diagram" xmlns:c="http://schemas.openxmlformats.org/drawingml/2006/chart" xmlns:mv="urn:schemas-microsoft-com:mac:vml" xmlns="">
       <p:transition spd="slow">
         <p:fade/>
       </p:transition>
@@ -48419,7 +48419,7 @@
         <p:fade thruBlk="1"/>
       </p:transition>
     </mc:Choice>
-    <mc:Fallback xmlns="" xmlns:mv="urn:schemas-microsoft-com:mac:vml" xmlns:c="http://schemas.openxmlformats.org/drawingml/2006/chart" xmlns:dgm="http://schemas.openxmlformats.org/drawingml/2006/diagram" xmlns:o="urn:schemas-microsoft-com:office:office" xmlns:v="urn:schemas-microsoft-com:vml" xmlns:pvml="urn:schemas-microsoft-com:office:powerpoint" xmlns:com="http://schemas.openxmlformats.org/drawingml/2006/compatibility" xmlns:p15="http://schemas.microsoft.com/office/powerpoint/2012/main">
+    <mc:Fallback xmlns:p15="http://schemas.microsoft.com/office/powerpoint/2012/main" xmlns:com="http://schemas.openxmlformats.org/drawingml/2006/compatibility" xmlns:pvml="urn:schemas-microsoft-com:office:powerpoint" xmlns:v="urn:schemas-microsoft-com:vml" xmlns:o="urn:schemas-microsoft-com:office:office" xmlns:dgm="http://schemas.openxmlformats.org/drawingml/2006/diagram" xmlns:c="http://schemas.openxmlformats.org/drawingml/2006/chart" xmlns:mv="urn:schemas-microsoft-com:mac:vml" xmlns="">
       <p:transition spd="slow">
         <p:fade/>
       </p:transition>
@@ -49023,7 +49023,7 @@
         <p:fade thruBlk="1"/>
       </p:transition>
     </mc:Choice>
-    <mc:Fallback xmlns="" xmlns:mv="urn:schemas-microsoft-com:mac:vml" xmlns:c="http://schemas.openxmlformats.org/drawingml/2006/chart" xmlns:dgm="http://schemas.openxmlformats.org/drawingml/2006/diagram" xmlns:o="urn:schemas-microsoft-com:office:office" xmlns:v="urn:schemas-microsoft-com:vml" xmlns:pvml="urn:schemas-microsoft-com:office:powerpoint" xmlns:com="http://schemas.openxmlformats.org/drawingml/2006/compatibility" xmlns:p15="http://schemas.microsoft.com/office/powerpoint/2012/main">
+    <mc:Fallback xmlns:p15="http://schemas.microsoft.com/office/powerpoint/2012/main" xmlns:com="http://schemas.openxmlformats.org/drawingml/2006/compatibility" xmlns:pvml="urn:schemas-microsoft-com:office:powerpoint" xmlns:v="urn:schemas-microsoft-com:vml" xmlns:o="urn:schemas-microsoft-com:office:office" xmlns:dgm="http://schemas.openxmlformats.org/drawingml/2006/diagram" xmlns:c="http://schemas.openxmlformats.org/drawingml/2006/chart" xmlns:mv="urn:schemas-microsoft-com:mac:vml" xmlns="">
       <p:transition spd="slow">
         <p:fade/>
       </p:transition>
@@ -49667,7 +49667,7 @@
         <p:fade thruBlk="1"/>
       </p:transition>
     </mc:Choice>
-    <mc:Fallback xmlns="" xmlns:mv="urn:schemas-microsoft-com:mac:vml" xmlns:c="http://schemas.openxmlformats.org/drawingml/2006/chart" xmlns:dgm="http://schemas.openxmlformats.org/drawingml/2006/diagram" xmlns:o="urn:schemas-microsoft-com:office:office" xmlns:v="urn:schemas-microsoft-com:vml" xmlns:pvml="urn:schemas-microsoft-com:office:powerpoint" xmlns:com="http://schemas.openxmlformats.org/drawingml/2006/compatibility" xmlns:p15="http://schemas.microsoft.com/office/powerpoint/2012/main">
+    <mc:Fallback xmlns:p15="http://schemas.microsoft.com/office/powerpoint/2012/main" xmlns:com="http://schemas.openxmlformats.org/drawingml/2006/compatibility" xmlns:pvml="urn:schemas-microsoft-com:office:powerpoint" xmlns:v="urn:schemas-microsoft-com:vml" xmlns:o="urn:schemas-microsoft-com:office:office" xmlns:dgm="http://schemas.openxmlformats.org/drawingml/2006/diagram" xmlns:c="http://schemas.openxmlformats.org/drawingml/2006/chart" xmlns:mv="urn:schemas-microsoft-com:mac:vml" xmlns="">
       <p:transition spd="slow">
         <p:fade/>
       </p:transition>
@@ -50013,7 +50013,7 @@
         <p:fade thruBlk="1"/>
       </p:transition>
     </mc:Choice>
-    <mc:Fallback xmlns="" xmlns:mv="urn:schemas-microsoft-com:mac:vml" xmlns:c="http://schemas.openxmlformats.org/drawingml/2006/chart" xmlns:dgm="http://schemas.openxmlformats.org/drawingml/2006/diagram" xmlns:o="urn:schemas-microsoft-com:office:office" xmlns:v="urn:schemas-microsoft-com:vml" xmlns:pvml="urn:schemas-microsoft-com:office:powerpoint" xmlns:com="http://schemas.openxmlformats.org/drawingml/2006/compatibility" xmlns:p15="http://schemas.microsoft.com/office/powerpoint/2012/main">
+    <mc:Fallback xmlns:p15="http://schemas.microsoft.com/office/powerpoint/2012/main" xmlns:com="http://schemas.openxmlformats.org/drawingml/2006/compatibility" xmlns:pvml="urn:schemas-microsoft-com:office:powerpoint" xmlns:v="urn:schemas-microsoft-com:vml" xmlns:o="urn:schemas-microsoft-com:office:office" xmlns:dgm="http://schemas.openxmlformats.org/drawingml/2006/diagram" xmlns:c="http://schemas.openxmlformats.org/drawingml/2006/chart" xmlns:mv="urn:schemas-microsoft-com:mac:vml" xmlns="">
       <p:transition spd="slow">
         <p:fade/>
       </p:transition>
@@ -50364,7 +50364,7 @@
         <p:fade thruBlk="1"/>
       </p:transition>
     </mc:Choice>
-    <mc:Fallback xmlns="" xmlns:mv="urn:schemas-microsoft-com:mac:vml" xmlns:c="http://schemas.openxmlformats.org/drawingml/2006/chart" xmlns:dgm="http://schemas.openxmlformats.org/drawingml/2006/diagram" xmlns:o="urn:schemas-microsoft-com:office:office" xmlns:v="urn:schemas-microsoft-com:vml" xmlns:pvml="urn:schemas-microsoft-com:office:powerpoint" xmlns:com="http://schemas.openxmlformats.org/drawingml/2006/compatibility" xmlns:p15="http://schemas.microsoft.com/office/powerpoint/2012/main">
+    <mc:Fallback xmlns:p15="http://schemas.microsoft.com/office/powerpoint/2012/main" xmlns:com="http://schemas.openxmlformats.org/drawingml/2006/compatibility" xmlns:pvml="urn:schemas-microsoft-com:office:powerpoint" xmlns:v="urn:schemas-microsoft-com:vml" xmlns:o="urn:schemas-microsoft-com:office:office" xmlns:dgm="http://schemas.openxmlformats.org/drawingml/2006/diagram" xmlns:c="http://schemas.openxmlformats.org/drawingml/2006/chart" xmlns:mv="urn:schemas-microsoft-com:mac:vml" xmlns="">
       <p:transition spd="slow">
         <p:fade/>
       </p:transition>
@@ -50708,7 +50708,7 @@
         <p:fade thruBlk="1"/>
       </p:transition>
     </mc:Choice>
-    <mc:Fallback xmlns="" xmlns:mv="urn:schemas-microsoft-com:mac:vml" xmlns:c="http://schemas.openxmlformats.org/drawingml/2006/chart" xmlns:dgm="http://schemas.openxmlformats.org/drawingml/2006/diagram" xmlns:o="urn:schemas-microsoft-com:office:office" xmlns:v="urn:schemas-microsoft-com:vml" xmlns:pvml="urn:schemas-microsoft-com:office:powerpoint" xmlns:com="http://schemas.openxmlformats.org/drawingml/2006/compatibility" xmlns:p15="http://schemas.microsoft.com/office/powerpoint/2012/main">
+    <mc:Fallback xmlns:p15="http://schemas.microsoft.com/office/powerpoint/2012/main" xmlns:com="http://schemas.openxmlformats.org/drawingml/2006/compatibility" xmlns:pvml="urn:schemas-microsoft-com:office:powerpoint" xmlns:v="urn:schemas-microsoft-com:vml" xmlns:o="urn:schemas-microsoft-com:office:office" xmlns:dgm="http://schemas.openxmlformats.org/drawingml/2006/diagram" xmlns:c="http://schemas.openxmlformats.org/drawingml/2006/chart" xmlns:mv="urn:schemas-microsoft-com:mac:vml" xmlns="">
       <p:transition spd="slow">
         <p:fade/>
       </p:transition>
@@ -51245,7 +51245,7 @@
         <p:fade thruBlk="1"/>
       </p:transition>
     </mc:Choice>
-    <mc:Fallback xmlns="" xmlns:mv="urn:schemas-microsoft-com:mac:vml" xmlns:c="http://schemas.openxmlformats.org/drawingml/2006/chart" xmlns:dgm="http://schemas.openxmlformats.org/drawingml/2006/diagram" xmlns:o="urn:schemas-microsoft-com:office:office" xmlns:v="urn:schemas-microsoft-com:vml" xmlns:pvml="urn:schemas-microsoft-com:office:powerpoint" xmlns:com="http://schemas.openxmlformats.org/drawingml/2006/compatibility" xmlns:p15="http://schemas.microsoft.com/office/powerpoint/2012/main">
+    <mc:Fallback xmlns:p15="http://schemas.microsoft.com/office/powerpoint/2012/main" xmlns:com="http://schemas.openxmlformats.org/drawingml/2006/compatibility" xmlns:pvml="urn:schemas-microsoft-com:office:powerpoint" xmlns:v="urn:schemas-microsoft-com:vml" xmlns:o="urn:schemas-microsoft-com:office:office" xmlns:dgm="http://schemas.openxmlformats.org/drawingml/2006/diagram" xmlns:c="http://schemas.openxmlformats.org/drawingml/2006/chart" xmlns:mv="urn:schemas-microsoft-com:mac:vml" xmlns="">
       <p:transition spd="slow">
         <p:fade/>
       </p:transition>
@@ -51962,7 +51962,7 @@
         <p:fade thruBlk="1"/>
       </p:transition>
     </mc:Choice>
-    <mc:Fallback xmlns="" xmlns:mv="urn:schemas-microsoft-com:mac:vml" xmlns:c="http://schemas.openxmlformats.org/drawingml/2006/chart" xmlns:dgm="http://schemas.openxmlformats.org/drawingml/2006/diagram" xmlns:o="urn:schemas-microsoft-com:office:office" xmlns:v="urn:schemas-microsoft-com:vml" xmlns:pvml="urn:schemas-microsoft-com:office:powerpoint" xmlns:com="http://schemas.openxmlformats.org/drawingml/2006/compatibility" xmlns:p15="http://schemas.microsoft.com/office/powerpoint/2012/main">
+    <mc:Fallback xmlns:p15="http://schemas.microsoft.com/office/powerpoint/2012/main" xmlns:com="http://schemas.openxmlformats.org/drawingml/2006/compatibility" xmlns:pvml="urn:schemas-microsoft-com:office:powerpoint" xmlns:v="urn:schemas-microsoft-com:vml" xmlns:o="urn:schemas-microsoft-com:office:office" xmlns:dgm="http://schemas.openxmlformats.org/drawingml/2006/diagram" xmlns:c="http://schemas.openxmlformats.org/drawingml/2006/chart" xmlns:mv="urn:schemas-microsoft-com:mac:vml" xmlns="">
       <p:transition spd="slow">
         <p:fade/>
       </p:transition>
@@ -52203,7 +52203,7 @@
         <p:fade thruBlk="1"/>
       </p:transition>
     </mc:Choice>
-    <mc:Fallback xmlns="" xmlns:mv="urn:schemas-microsoft-com:mac:vml" xmlns:c="http://schemas.openxmlformats.org/drawingml/2006/chart" xmlns:dgm="http://schemas.openxmlformats.org/drawingml/2006/diagram" xmlns:o="urn:schemas-microsoft-com:office:office" xmlns:v="urn:schemas-microsoft-com:vml" xmlns:pvml="urn:schemas-microsoft-com:office:powerpoint" xmlns:com="http://schemas.openxmlformats.org/drawingml/2006/compatibility" xmlns:p15="http://schemas.microsoft.com/office/powerpoint/2012/main">
+    <mc:Fallback xmlns:p15="http://schemas.microsoft.com/office/powerpoint/2012/main" xmlns:com="http://schemas.openxmlformats.org/drawingml/2006/compatibility" xmlns:pvml="urn:schemas-microsoft-com:office:powerpoint" xmlns:v="urn:schemas-microsoft-com:vml" xmlns:o="urn:schemas-microsoft-com:office:office" xmlns:dgm="http://schemas.openxmlformats.org/drawingml/2006/diagram" xmlns:c="http://schemas.openxmlformats.org/drawingml/2006/chart" xmlns:mv="urn:schemas-microsoft-com:mac:vml" xmlns="">
       <p:transition spd="slow">
         <p:fade/>
       </p:transition>
@@ -52802,7 +52802,7 @@
         <p:fade thruBlk="1"/>
       </p:transition>
     </mc:Choice>
-    <mc:Fallback xmlns="" xmlns:mv="urn:schemas-microsoft-com:mac:vml" xmlns:c="http://schemas.openxmlformats.org/drawingml/2006/chart" xmlns:dgm="http://schemas.openxmlformats.org/drawingml/2006/diagram" xmlns:o="urn:schemas-microsoft-com:office:office" xmlns:v="urn:schemas-microsoft-com:vml" xmlns:pvml="urn:schemas-microsoft-com:office:powerpoint" xmlns:com="http://schemas.openxmlformats.org/drawingml/2006/compatibility" xmlns:p15="http://schemas.microsoft.com/office/powerpoint/2012/main">
+    <mc:Fallback xmlns:p15="http://schemas.microsoft.com/office/powerpoint/2012/main" xmlns:com="http://schemas.openxmlformats.org/drawingml/2006/compatibility" xmlns:pvml="urn:schemas-microsoft-com:office:powerpoint" xmlns:v="urn:schemas-microsoft-com:vml" xmlns:o="urn:schemas-microsoft-com:office:office" xmlns:dgm="http://schemas.openxmlformats.org/drawingml/2006/diagram" xmlns:c="http://schemas.openxmlformats.org/drawingml/2006/chart" xmlns:mv="urn:schemas-microsoft-com:mac:vml" xmlns="">
       <p:transition spd="slow">
         <p:fade/>
       </p:transition>
@@ -53376,7 +53376,7 @@
         <p:fade thruBlk="1"/>
       </p:transition>
     </mc:Choice>
-    <mc:Fallback xmlns="" xmlns:mv="urn:schemas-microsoft-com:mac:vml" xmlns:c="http://schemas.openxmlformats.org/drawingml/2006/chart" xmlns:dgm="http://schemas.openxmlformats.org/drawingml/2006/diagram" xmlns:o="urn:schemas-microsoft-com:office:office" xmlns:v="urn:schemas-microsoft-com:vml" xmlns:pvml="urn:schemas-microsoft-com:office:powerpoint" xmlns:com="http://schemas.openxmlformats.org/drawingml/2006/compatibility" xmlns:p15="http://schemas.microsoft.com/office/powerpoint/2012/main">
+    <mc:Fallback xmlns:p15="http://schemas.microsoft.com/office/powerpoint/2012/main" xmlns:com="http://schemas.openxmlformats.org/drawingml/2006/compatibility" xmlns:pvml="urn:schemas-microsoft-com:office:powerpoint" xmlns:v="urn:schemas-microsoft-com:vml" xmlns:o="urn:schemas-microsoft-com:office:office" xmlns:dgm="http://schemas.openxmlformats.org/drawingml/2006/diagram" xmlns:c="http://schemas.openxmlformats.org/drawingml/2006/chart" xmlns:mv="urn:schemas-microsoft-com:mac:vml" xmlns="">
       <p:transition spd="slow">
         <p:fade/>
       </p:transition>
@@ -53788,7 +53788,7 @@
               <a:buChar char="»"/>
             </a:pPr>
             <a:r>
-              <a:rPr lang="en-US" sz="1700"/>
+              <a:rPr lang="en-US" sz="1700" dirty="0"/>
               <a:t>Noise</a:t>
             </a:r>
           </a:p>
@@ -53808,7 +53808,7 @@
               <a:buChar char="»"/>
             </a:pPr>
             <a:r>
-              <a:rPr lang="en-US" sz="1700"/>
+              <a:rPr lang="en-US" sz="1700" dirty="0"/>
               <a:t>Filtering</a:t>
             </a:r>
           </a:p>
@@ -53828,7 +53828,7 @@
               <a:buChar char="»"/>
             </a:pPr>
             <a:r>
-              <a:rPr lang="en-US" sz="1700"/>
+              <a:rPr lang="en-US" sz="1700" dirty="0"/>
               <a:t>Permutations</a:t>
             </a:r>
           </a:p>
@@ -53848,8 +53848,8 @@
               <a:buChar char="»"/>
             </a:pPr>
             <a:r>
-              <a:rPr lang="en-US" sz="1700"/>
-              <a:t>Quantization/sampling</a:t>
+              <a:rPr lang="en-US" sz="1700" dirty="0"/>
+              <a:t>Quantization/ sampling</a:t>
             </a:r>
           </a:p>
           <a:p>
@@ -53868,7 +53868,7 @@
               <a:buChar char="»"/>
             </a:pPr>
             <a:r>
-              <a:rPr lang="en-US" sz="1700"/>
+              <a:rPr lang="en-US" sz="1700" dirty="0"/>
               <a:t>Rotation</a:t>
             </a:r>
           </a:p>
@@ -53888,7 +53888,7 @@
               <a:buChar char="»"/>
             </a:pPr>
             <a:r>
-              <a:rPr lang="en-US" sz="1700"/>
+              <a:rPr lang="en-US" sz="1700" dirty="0"/>
               <a:t>Scaling</a:t>
             </a:r>
           </a:p>
@@ -53908,7 +53908,7 @@
               <a:buChar char="»"/>
             </a:pPr>
             <a:r>
-              <a:rPr lang="en-US" sz="1700"/>
+              <a:rPr lang="en-US" sz="1700" dirty="0"/>
               <a:t>Removals/insertions</a:t>
             </a:r>
           </a:p>
@@ -53928,7 +53928,7 @@
               <a:buChar char="»"/>
             </a:pPr>
             <a:r>
-              <a:rPr lang="en-US" sz="1700"/>
+              <a:rPr lang="en-US" sz="1700" dirty="0"/>
               <a:t>Averaging</a:t>
             </a:r>
           </a:p>
@@ -53948,7 +53948,7 @@
               <a:buChar char="»"/>
             </a:pPr>
             <a:r>
-              <a:rPr lang="en-US" sz="1700"/>
+              <a:rPr lang="en-US" sz="1700" dirty="0"/>
               <a:t>Data exchanging</a:t>
             </a:r>
           </a:p>
@@ -54026,7 +54026,7 @@
         <p:fade thruBlk="1"/>
       </p:transition>
     </mc:Choice>
-    <mc:Fallback xmlns="" xmlns:mv="urn:schemas-microsoft-com:mac:vml" xmlns:c="http://schemas.openxmlformats.org/drawingml/2006/chart" xmlns:dgm="http://schemas.openxmlformats.org/drawingml/2006/diagram" xmlns:o="urn:schemas-microsoft-com:office:office" xmlns:v="urn:schemas-microsoft-com:vml" xmlns:pvml="urn:schemas-microsoft-com:office:powerpoint" xmlns:com="http://schemas.openxmlformats.org/drawingml/2006/compatibility" xmlns:p15="http://schemas.microsoft.com/office/powerpoint/2012/main">
+    <mc:Fallback xmlns:p15="http://schemas.microsoft.com/office/powerpoint/2012/main" xmlns:com="http://schemas.openxmlformats.org/drawingml/2006/compatibility" xmlns:pvml="urn:schemas-microsoft-com:office:powerpoint" xmlns:v="urn:schemas-microsoft-com:vml" xmlns:o="urn:schemas-microsoft-com:office:office" xmlns:dgm="http://schemas.openxmlformats.org/drawingml/2006/diagram" xmlns:c="http://schemas.openxmlformats.org/drawingml/2006/chart" xmlns:mv="urn:schemas-microsoft-com:mac:vml" xmlns="">
       <p:transition spd="slow">
         <p:fade/>
       </p:transition>
@@ -54445,7 +54445,7 @@
         <p:fade thruBlk="1"/>
       </p:transition>
     </mc:Choice>
-    <mc:Fallback xmlns="" xmlns:mv="urn:schemas-microsoft-com:mac:vml" xmlns:c="http://schemas.openxmlformats.org/drawingml/2006/chart" xmlns:dgm="http://schemas.openxmlformats.org/drawingml/2006/diagram" xmlns:o="urn:schemas-microsoft-com:office:office" xmlns:v="urn:schemas-microsoft-com:vml" xmlns:pvml="urn:schemas-microsoft-com:office:powerpoint" xmlns:com="http://schemas.openxmlformats.org/drawingml/2006/compatibility" xmlns:p15="http://schemas.microsoft.com/office/powerpoint/2012/main">
+    <mc:Fallback xmlns:p15="http://schemas.microsoft.com/office/powerpoint/2012/main" xmlns:com="http://schemas.openxmlformats.org/drawingml/2006/compatibility" xmlns:pvml="urn:schemas-microsoft-com:office:powerpoint" xmlns:v="urn:schemas-microsoft-com:vml" xmlns:o="urn:schemas-microsoft-com:office:office" xmlns:dgm="http://schemas.openxmlformats.org/drawingml/2006/diagram" xmlns:c="http://schemas.openxmlformats.org/drawingml/2006/chart" xmlns:mv="urn:schemas-microsoft-com:mac:vml" xmlns="">
       <p:transition spd="slow">
         <p:fade/>
       </p:transition>
@@ -55002,7 +55002,7 @@
         <p:fade thruBlk="1"/>
       </p:transition>
     </mc:Choice>
-    <mc:Fallback xmlns="" xmlns:mv="urn:schemas-microsoft-com:mac:vml" xmlns:c="http://schemas.openxmlformats.org/drawingml/2006/chart" xmlns:dgm="http://schemas.openxmlformats.org/drawingml/2006/diagram" xmlns:o="urn:schemas-microsoft-com:office:office" xmlns:v="urn:schemas-microsoft-com:vml" xmlns:pvml="urn:schemas-microsoft-com:office:powerpoint" xmlns:com="http://schemas.openxmlformats.org/drawingml/2006/compatibility" xmlns:p15="http://schemas.microsoft.com/office/powerpoint/2012/main">
+    <mc:Fallback xmlns:p15="http://schemas.microsoft.com/office/powerpoint/2012/main" xmlns:com="http://schemas.openxmlformats.org/drawingml/2006/compatibility" xmlns:pvml="urn:schemas-microsoft-com:office:powerpoint" xmlns:v="urn:schemas-microsoft-com:vml" xmlns:o="urn:schemas-microsoft-com:office:office" xmlns:dgm="http://schemas.openxmlformats.org/drawingml/2006/diagram" xmlns:c="http://schemas.openxmlformats.org/drawingml/2006/chart" xmlns:mv="urn:schemas-microsoft-com:mac:vml" xmlns="">
       <p:transition spd="slow">
         <p:fade/>
       </p:transition>
